--- a/Research/Imaging Worksheets/Misc/Hadamard Masks 2.pptx
+++ b/Research/Imaging Worksheets/Misc/Hadamard Masks 2.pptx
@@ -267,7 +267,7 @@
           <a:bodyPr/>
           <a:lstStyle/>
           <a:p>
-            <a:fld id="{27632975-AD91-46DB-8A8E-47F5EF748DC5}" type="datetimeFigureOut">
+            <a:fld id="{9D7EEAAB-5EEA-4F5A-94D4-41A325B7A4AA}" type="datetimeFigureOut">
               <a:rPr lang="en-US" smtClean="0"/>
               <a:t>1/14/2016</a:t>
             </a:fld>
@@ -309,7 +309,7 @@
           <a:bodyPr/>
           <a:lstStyle/>
           <a:p>
-            <a:fld id="{6B7FBE9E-6D2C-4B3B-86CF-1D848782C11B}" type="slidenum">
+            <a:fld id="{EA39AF77-9E84-4B70-9DF7-5DE84AD3265E}" type="slidenum">
               <a:rPr lang="en-US" smtClean="0"/>
               <a:t>‹#›</a:t>
             </a:fld>
@@ -320,7 +320,7 @@
     </p:spTree>
     <p:extLst>
       <p:ext uri="{BB962C8B-B14F-4D97-AF65-F5344CB8AC3E}">
-        <p14:creationId xmlns:p14="http://schemas.microsoft.com/office/powerpoint/2010/main" val="3645547144"/>
+        <p14:creationId xmlns:p14="http://schemas.microsoft.com/office/powerpoint/2010/main" val="2923245309"/>
       </p:ext>
     </p:extLst>
   </p:cSld>
@@ -388,7 +388,7 @@
             <a:pPr lvl="0"/>
             <a:r>
               <a:rPr lang="en-US" smtClean="0"/>
-              <a:t>Click to edit Master text styles</a:t>
+              <a:t>Edit Master text styles</a:t>
             </a:r>
           </a:p>
           <a:p>
@@ -437,7 +437,7 @@
           <a:bodyPr/>
           <a:lstStyle/>
           <a:p>
-            <a:fld id="{27632975-AD91-46DB-8A8E-47F5EF748DC5}" type="datetimeFigureOut">
+            <a:fld id="{9D7EEAAB-5EEA-4F5A-94D4-41A325B7A4AA}" type="datetimeFigureOut">
               <a:rPr lang="en-US" smtClean="0"/>
               <a:t>1/14/2016</a:t>
             </a:fld>
@@ -479,7 +479,7 @@
           <a:bodyPr/>
           <a:lstStyle/>
           <a:p>
-            <a:fld id="{6B7FBE9E-6D2C-4B3B-86CF-1D848782C11B}" type="slidenum">
+            <a:fld id="{EA39AF77-9E84-4B70-9DF7-5DE84AD3265E}" type="slidenum">
               <a:rPr lang="en-US" smtClean="0"/>
               <a:t>‹#›</a:t>
             </a:fld>
@@ -490,7 +490,7 @@
     </p:spTree>
     <p:extLst>
       <p:ext uri="{BB962C8B-B14F-4D97-AF65-F5344CB8AC3E}">
-        <p14:creationId xmlns:p14="http://schemas.microsoft.com/office/powerpoint/2010/main" val="1899783575"/>
+        <p14:creationId xmlns:p14="http://schemas.microsoft.com/office/powerpoint/2010/main" val="3214945661"/>
       </p:ext>
     </p:extLst>
   </p:cSld>
@@ -568,7 +568,7 @@
             <a:pPr lvl="0"/>
             <a:r>
               <a:rPr lang="en-US" smtClean="0"/>
-              <a:t>Click to edit Master text styles</a:t>
+              <a:t>Edit Master text styles</a:t>
             </a:r>
           </a:p>
           <a:p>
@@ -617,7 +617,7 @@
           <a:bodyPr/>
           <a:lstStyle/>
           <a:p>
-            <a:fld id="{27632975-AD91-46DB-8A8E-47F5EF748DC5}" type="datetimeFigureOut">
+            <a:fld id="{9D7EEAAB-5EEA-4F5A-94D4-41A325B7A4AA}" type="datetimeFigureOut">
               <a:rPr lang="en-US" smtClean="0"/>
               <a:t>1/14/2016</a:t>
             </a:fld>
@@ -659,7 +659,7 @@
           <a:bodyPr/>
           <a:lstStyle/>
           <a:p>
-            <a:fld id="{6B7FBE9E-6D2C-4B3B-86CF-1D848782C11B}" type="slidenum">
+            <a:fld id="{EA39AF77-9E84-4B70-9DF7-5DE84AD3265E}" type="slidenum">
               <a:rPr lang="en-US" smtClean="0"/>
               <a:t>‹#›</a:t>
             </a:fld>
@@ -670,7 +670,7 @@
     </p:spTree>
     <p:extLst>
       <p:ext uri="{BB962C8B-B14F-4D97-AF65-F5344CB8AC3E}">
-        <p14:creationId xmlns:p14="http://schemas.microsoft.com/office/powerpoint/2010/main" val="290702565"/>
+        <p14:creationId xmlns:p14="http://schemas.microsoft.com/office/powerpoint/2010/main" val="946168824"/>
       </p:ext>
     </p:extLst>
   </p:cSld>
@@ -738,7 +738,7 @@
             <a:pPr lvl="0"/>
             <a:r>
               <a:rPr lang="en-US" smtClean="0"/>
-              <a:t>Click to edit Master text styles</a:t>
+              <a:t>Edit Master text styles</a:t>
             </a:r>
           </a:p>
           <a:p>
@@ -787,7 +787,7 @@
           <a:bodyPr/>
           <a:lstStyle/>
           <a:p>
-            <a:fld id="{27632975-AD91-46DB-8A8E-47F5EF748DC5}" type="datetimeFigureOut">
+            <a:fld id="{9D7EEAAB-5EEA-4F5A-94D4-41A325B7A4AA}" type="datetimeFigureOut">
               <a:rPr lang="en-US" smtClean="0"/>
               <a:t>1/14/2016</a:t>
             </a:fld>
@@ -829,7 +829,7 @@
           <a:bodyPr/>
           <a:lstStyle/>
           <a:p>
-            <a:fld id="{6B7FBE9E-6D2C-4B3B-86CF-1D848782C11B}" type="slidenum">
+            <a:fld id="{EA39AF77-9E84-4B70-9DF7-5DE84AD3265E}" type="slidenum">
               <a:rPr lang="en-US" smtClean="0"/>
               <a:t>‹#›</a:t>
             </a:fld>
@@ -840,7 +840,7 @@
     </p:spTree>
     <p:extLst>
       <p:ext uri="{BB962C8B-B14F-4D97-AF65-F5344CB8AC3E}">
-        <p14:creationId xmlns:p14="http://schemas.microsoft.com/office/powerpoint/2010/main" val="2098499725"/>
+        <p14:creationId xmlns:p14="http://schemas.microsoft.com/office/powerpoint/2010/main" val="900760812"/>
       </p:ext>
     </p:extLst>
   </p:cSld>
@@ -1013,7 +1013,7 @@
             <a:pPr lvl="0"/>
             <a:r>
               <a:rPr lang="en-US" smtClean="0"/>
-              <a:t>Click to edit Master text styles</a:t>
+              <a:t>Edit Master text styles</a:t>
             </a:r>
           </a:p>
         </p:txBody>
@@ -1033,7 +1033,7 @@
           <a:bodyPr/>
           <a:lstStyle/>
           <a:p>
-            <a:fld id="{27632975-AD91-46DB-8A8E-47F5EF748DC5}" type="datetimeFigureOut">
+            <a:fld id="{9D7EEAAB-5EEA-4F5A-94D4-41A325B7A4AA}" type="datetimeFigureOut">
               <a:rPr lang="en-US" smtClean="0"/>
               <a:t>1/14/2016</a:t>
             </a:fld>
@@ -1075,7 +1075,7 @@
           <a:bodyPr/>
           <a:lstStyle/>
           <a:p>
-            <a:fld id="{6B7FBE9E-6D2C-4B3B-86CF-1D848782C11B}" type="slidenum">
+            <a:fld id="{EA39AF77-9E84-4B70-9DF7-5DE84AD3265E}" type="slidenum">
               <a:rPr lang="en-US" smtClean="0"/>
               <a:t>‹#›</a:t>
             </a:fld>
@@ -1086,7 +1086,7 @@
     </p:spTree>
     <p:extLst>
       <p:ext uri="{BB962C8B-B14F-4D97-AF65-F5344CB8AC3E}">
-        <p14:creationId xmlns:p14="http://schemas.microsoft.com/office/powerpoint/2010/main" val="81500020"/>
+        <p14:creationId xmlns:p14="http://schemas.microsoft.com/office/powerpoint/2010/main" val="1704907586"/>
       </p:ext>
     </p:extLst>
   </p:cSld>
@@ -1159,7 +1159,7 @@
             <a:pPr lvl="0"/>
             <a:r>
               <a:rPr lang="en-US" smtClean="0"/>
-              <a:t>Click to edit Master text styles</a:t>
+              <a:t>Edit Master text styles</a:t>
             </a:r>
           </a:p>
           <a:p>
@@ -1216,7 +1216,7 @@
             <a:pPr lvl="0"/>
             <a:r>
               <a:rPr lang="en-US" smtClean="0"/>
-              <a:t>Click to edit Master text styles</a:t>
+              <a:t>Edit Master text styles</a:t>
             </a:r>
           </a:p>
           <a:p>
@@ -1265,7 +1265,7 @@
           <a:bodyPr/>
           <a:lstStyle/>
           <a:p>
-            <a:fld id="{27632975-AD91-46DB-8A8E-47F5EF748DC5}" type="datetimeFigureOut">
+            <a:fld id="{9D7EEAAB-5EEA-4F5A-94D4-41A325B7A4AA}" type="datetimeFigureOut">
               <a:rPr lang="en-US" smtClean="0"/>
               <a:t>1/14/2016</a:t>
             </a:fld>
@@ -1307,7 +1307,7 @@
           <a:bodyPr/>
           <a:lstStyle/>
           <a:p>
-            <a:fld id="{6B7FBE9E-6D2C-4B3B-86CF-1D848782C11B}" type="slidenum">
+            <a:fld id="{EA39AF77-9E84-4B70-9DF7-5DE84AD3265E}" type="slidenum">
               <a:rPr lang="en-US" smtClean="0"/>
               <a:t>‹#›</a:t>
             </a:fld>
@@ -1318,7 +1318,7 @@
     </p:spTree>
     <p:extLst>
       <p:ext uri="{BB962C8B-B14F-4D97-AF65-F5344CB8AC3E}">
-        <p14:creationId xmlns:p14="http://schemas.microsoft.com/office/powerpoint/2010/main" val="466786456"/>
+        <p14:creationId xmlns:p14="http://schemas.microsoft.com/office/powerpoint/2010/main" val="966566296"/>
       </p:ext>
     </p:extLst>
   </p:cSld>
@@ -1433,7 +1433,7 @@
             <a:pPr lvl="0"/>
             <a:r>
               <a:rPr lang="en-US" smtClean="0"/>
-              <a:t>Click to edit Master text styles</a:t>
+              <a:t>Edit Master text styles</a:t>
             </a:r>
           </a:p>
         </p:txBody>
@@ -1461,7 +1461,7 @@
             <a:pPr lvl="0"/>
             <a:r>
               <a:rPr lang="en-US" smtClean="0"/>
-              <a:t>Click to edit Master text styles</a:t>
+              <a:t>Edit Master text styles</a:t>
             </a:r>
           </a:p>
           <a:p>
@@ -1555,7 +1555,7 @@
             <a:pPr lvl="0"/>
             <a:r>
               <a:rPr lang="en-US" smtClean="0"/>
-              <a:t>Click to edit Master text styles</a:t>
+              <a:t>Edit Master text styles</a:t>
             </a:r>
           </a:p>
         </p:txBody>
@@ -1583,7 +1583,7 @@
             <a:pPr lvl="0"/>
             <a:r>
               <a:rPr lang="en-US" smtClean="0"/>
-              <a:t>Click to edit Master text styles</a:t>
+              <a:t>Edit Master text styles</a:t>
             </a:r>
           </a:p>
           <a:p>
@@ -1632,7 +1632,7 @@
           <a:bodyPr/>
           <a:lstStyle/>
           <a:p>
-            <a:fld id="{27632975-AD91-46DB-8A8E-47F5EF748DC5}" type="datetimeFigureOut">
+            <a:fld id="{9D7EEAAB-5EEA-4F5A-94D4-41A325B7A4AA}" type="datetimeFigureOut">
               <a:rPr lang="en-US" smtClean="0"/>
               <a:t>1/14/2016</a:t>
             </a:fld>
@@ -1674,7 +1674,7 @@
           <a:bodyPr/>
           <a:lstStyle/>
           <a:p>
-            <a:fld id="{6B7FBE9E-6D2C-4B3B-86CF-1D848782C11B}" type="slidenum">
+            <a:fld id="{EA39AF77-9E84-4B70-9DF7-5DE84AD3265E}" type="slidenum">
               <a:rPr lang="en-US" smtClean="0"/>
               <a:t>‹#›</a:t>
             </a:fld>
@@ -1685,7 +1685,7 @@
     </p:spTree>
     <p:extLst>
       <p:ext uri="{BB962C8B-B14F-4D97-AF65-F5344CB8AC3E}">
-        <p14:creationId xmlns:p14="http://schemas.microsoft.com/office/powerpoint/2010/main" val="1365861567"/>
+        <p14:creationId xmlns:p14="http://schemas.microsoft.com/office/powerpoint/2010/main" val="2400024265"/>
       </p:ext>
     </p:extLst>
   </p:cSld>
@@ -1750,7 +1750,7 @@
           <a:bodyPr/>
           <a:lstStyle/>
           <a:p>
-            <a:fld id="{27632975-AD91-46DB-8A8E-47F5EF748DC5}" type="datetimeFigureOut">
+            <a:fld id="{9D7EEAAB-5EEA-4F5A-94D4-41A325B7A4AA}" type="datetimeFigureOut">
               <a:rPr lang="en-US" smtClean="0"/>
               <a:t>1/14/2016</a:t>
             </a:fld>
@@ -1792,7 +1792,7 @@
           <a:bodyPr/>
           <a:lstStyle/>
           <a:p>
-            <a:fld id="{6B7FBE9E-6D2C-4B3B-86CF-1D848782C11B}" type="slidenum">
+            <a:fld id="{EA39AF77-9E84-4B70-9DF7-5DE84AD3265E}" type="slidenum">
               <a:rPr lang="en-US" smtClean="0"/>
               <a:t>‹#›</a:t>
             </a:fld>
@@ -1803,7 +1803,7 @@
     </p:spTree>
     <p:extLst>
       <p:ext uri="{BB962C8B-B14F-4D97-AF65-F5344CB8AC3E}">
-        <p14:creationId xmlns:p14="http://schemas.microsoft.com/office/powerpoint/2010/main" val="3116288564"/>
+        <p14:creationId xmlns:p14="http://schemas.microsoft.com/office/powerpoint/2010/main" val="560120461"/>
       </p:ext>
     </p:extLst>
   </p:cSld>
@@ -1845,7 +1845,7 @@
           <a:bodyPr/>
           <a:lstStyle/>
           <a:p>
-            <a:fld id="{27632975-AD91-46DB-8A8E-47F5EF748DC5}" type="datetimeFigureOut">
+            <a:fld id="{9D7EEAAB-5EEA-4F5A-94D4-41A325B7A4AA}" type="datetimeFigureOut">
               <a:rPr lang="en-US" smtClean="0"/>
               <a:t>1/14/2016</a:t>
             </a:fld>
@@ -1887,7 +1887,7 @@
           <a:bodyPr/>
           <a:lstStyle/>
           <a:p>
-            <a:fld id="{6B7FBE9E-6D2C-4B3B-86CF-1D848782C11B}" type="slidenum">
+            <a:fld id="{EA39AF77-9E84-4B70-9DF7-5DE84AD3265E}" type="slidenum">
               <a:rPr lang="en-US" smtClean="0"/>
               <a:t>‹#›</a:t>
             </a:fld>
@@ -1898,7 +1898,7 @@
     </p:spTree>
     <p:extLst>
       <p:ext uri="{BB962C8B-B14F-4D97-AF65-F5344CB8AC3E}">
-        <p14:creationId xmlns:p14="http://schemas.microsoft.com/office/powerpoint/2010/main" val="3001690452"/>
+        <p14:creationId xmlns:p14="http://schemas.microsoft.com/office/powerpoint/2010/main" val="1186074474"/>
       </p:ext>
     </p:extLst>
   </p:cSld>
@@ -2008,7 +2008,7 @@
             <a:pPr lvl="0"/>
             <a:r>
               <a:rPr lang="en-US" smtClean="0"/>
-              <a:t>Click to edit Master text styles</a:t>
+              <a:t>Edit Master text styles</a:t>
             </a:r>
           </a:p>
           <a:p>
@@ -2102,7 +2102,7 @@
             <a:pPr lvl="0"/>
             <a:r>
               <a:rPr lang="en-US" smtClean="0"/>
-              <a:t>Click to edit Master text styles</a:t>
+              <a:t>Edit Master text styles</a:t>
             </a:r>
           </a:p>
         </p:txBody>
@@ -2122,7 +2122,7 @@
           <a:bodyPr/>
           <a:lstStyle/>
           <a:p>
-            <a:fld id="{27632975-AD91-46DB-8A8E-47F5EF748DC5}" type="datetimeFigureOut">
+            <a:fld id="{9D7EEAAB-5EEA-4F5A-94D4-41A325B7A4AA}" type="datetimeFigureOut">
               <a:rPr lang="en-US" smtClean="0"/>
               <a:t>1/14/2016</a:t>
             </a:fld>
@@ -2164,7 +2164,7 @@
           <a:bodyPr/>
           <a:lstStyle/>
           <a:p>
-            <a:fld id="{6B7FBE9E-6D2C-4B3B-86CF-1D848782C11B}" type="slidenum">
+            <a:fld id="{EA39AF77-9E84-4B70-9DF7-5DE84AD3265E}" type="slidenum">
               <a:rPr lang="en-US" smtClean="0"/>
               <a:t>‹#›</a:t>
             </a:fld>
@@ -2175,7 +2175,7 @@
     </p:spTree>
     <p:extLst>
       <p:ext uri="{BB962C8B-B14F-4D97-AF65-F5344CB8AC3E}">
-        <p14:creationId xmlns:p14="http://schemas.microsoft.com/office/powerpoint/2010/main" val="1854095441"/>
+        <p14:creationId xmlns:p14="http://schemas.microsoft.com/office/powerpoint/2010/main" val="3457107398"/>
       </p:ext>
     </p:extLst>
   </p:cSld>
@@ -2355,7 +2355,7 @@
             <a:pPr lvl="0"/>
             <a:r>
               <a:rPr lang="en-US" smtClean="0"/>
-              <a:t>Click to edit Master text styles</a:t>
+              <a:t>Edit Master text styles</a:t>
             </a:r>
           </a:p>
         </p:txBody>
@@ -2375,7 +2375,7 @@
           <a:bodyPr/>
           <a:lstStyle/>
           <a:p>
-            <a:fld id="{27632975-AD91-46DB-8A8E-47F5EF748DC5}" type="datetimeFigureOut">
+            <a:fld id="{9D7EEAAB-5EEA-4F5A-94D4-41A325B7A4AA}" type="datetimeFigureOut">
               <a:rPr lang="en-US" smtClean="0"/>
               <a:t>1/14/2016</a:t>
             </a:fld>
@@ -2417,7 +2417,7 @@
           <a:bodyPr/>
           <a:lstStyle/>
           <a:p>
-            <a:fld id="{6B7FBE9E-6D2C-4B3B-86CF-1D848782C11B}" type="slidenum">
+            <a:fld id="{EA39AF77-9E84-4B70-9DF7-5DE84AD3265E}" type="slidenum">
               <a:rPr lang="en-US" smtClean="0"/>
               <a:t>‹#›</a:t>
             </a:fld>
@@ -2428,7 +2428,7 @@
     </p:spTree>
     <p:extLst>
       <p:ext uri="{BB962C8B-B14F-4D97-AF65-F5344CB8AC3E}">
-        <p14:creationId xmlns:p14="http://schemas.microsoft.com/office/powerpoint/2010/main" val="427676721"/>
+        <p14:creationId xmlns:p14="http://schemas.microsoft.com/office/powerpoint/2010/main" val="100923247"/>
       </p:ext>
     </p:extLst>
   </p:cSld>
@@ -2521,7 +2521,7 @@
             <a:pPr lvl="0"/>
             <a:r>
               <a:rPr lang="en-US" smtClean="0"/>
-              <a:t>Click to edit Master text styles</a:t>
+              <a:t>Edit Master text styles</a:t>
             </a:r>
           </a:p>
           <a:p>
@@ -2588,7 +2588,7 @@
             </a:lvl1pPr>
           </a:lstStyle>
           <a:p>
-            <a:fld id="{27632975-AD91-46DB-8A8E-47F5EF748DC5}" type="datetimeFigureOut">
+            <a:fld id="{9D7EEAAB-5EEA-4F5A-94D4-41A325B7A4AA}" type="datetimeFigureOut">
               <a:rPr lang="en-US" smtClean="0"/>
               <a:t>1/14/2016</a:t>
             </a:fld>
@@ -2666,7 +2666,7 @@
             </a:lvl1pPr>
           </a:lstStyle>
           <a:p>
-            <a:fld id="{6B7FBE9E-6D2C-4B3B-86CF-1D848782C11B}" type="slidenum">
+            <a:fld id="{EA39AF77-9E84-4B70-9DF7-5DE84AD3265E}" type="slidenum">
               <a:rPr lang="en-US" smtClean="0"/>
               <a:t>‹#›</a:t>
             </a:fld>
@@ -2677,7 +2677,7 @@
     </p:spTree>
     <p:extLst>
       <p:ext uri="{BB962C8B-B14F-4D97-AF65-F5344CB8AC3E}">
-        <p14:creationId xmlns:p14="http://schemas.microsoft.com/office/powerpoint/2010/main" val="288572378"/>
+        <p14:creationId xmlns:p14="http://schemas.microsoft.com/office/powerpoint/2010/main" val="14724158"/>
       </p:ext>
     </p:extLst>
   </p:cSld>
@@ -3028,7 +3028,7 @@
     </p:spTree>
     <p:extLst>
       <p:ext uri="{BB962C8B-B14F-4D97-AF65-F5344CB8AC3E}">
-        <p14:creationId xmlns:p14="http://schemas.microsoft.com/office/powerpoint/2010/main" val="2042401271"/>
+        <p14:creationId xmlns:p14="http://schemas.microsoft.com/office/powerpoint/2010/main" val="3912957463"/>
       </p:ext>
     </p:extLst>
   </p:cSld>
@@ -3088,7 +3088,7 @@
     </p:spTree>
     <p:extLst>
       <p:ext uri="{BB962C8B-B14F-4D97-AF65-F5344CB8AC3E}">
-        <p14:creationId xmlns:p14="http://schemas.microsoft.com/office/powerpoint/2010/main" val="4033927072"/>
+        <p14:creationId xmlns:p14="http://schemas.microsoft.com/office/powerpoint/2010/main" val="1522014087"/>
       </p:ext>
     </p:extLst>
   </p:cSld>
@@ -3148,7 +3148,7 @@
     </p:spTree>
     <p:extLst>
       <p:ext uri="{BB962C8B-B14F-4D97-AF65-F5344CB8AC3E}">
-        <p14:creationId xmlns:p14="http://schemas.microsoft.com/office/powerpoint/2010/main" val="1389103857"/>
+        <p14:creationId xmlns:p14="http://schemas.microsoft.com/office/powerpoint/2010/main" val="2573310023"/>
       </p:ext>
     </p:extLst>
   </p:cSld>
@@ -3208,7 +3208,7 @@
     </p:spTree>
     <p:extLst>
       <p:ext uri="{BB962C8B-B14F-4D97-AF65-F5344CB8AC3E}">
-        <p14:creationId xmlns:p14="http://schemas.microsoft.com/office/powerpoint/2010/main" val="2403768294"/>
+        <p14:creationId xmlns:p14="http://schemas.microsoft.com/office/powerpoint/2010/main" val="3310283433"/>
       </p:ext>
     </p:extLst>
   </p:cSld>
@@ -3268,7 +3268,7 @@
     </p:spTree>
     <p:extLst>
       <p:ext uri="{BB962C8B-B14F-4D97-AF65-F5344CB8AC3E}">
-        <p14:creationId xmlns:p14="http://schemas.microsoft.com/office/powerpoint/2010/main" val="1902380791"/>
+        <p14:creationId xmlns:p14="http://schemas.microsoft.com/office/powerpoint/2010/main" val="815878944"/>
       </p:ext>
     </p:extLst>
   </p:cSld>
@@ -3328,7 +3328,7 @@
     </p:spTree>
     <p:extLst>
       <p:ext uri="{BB962C8B-B14F-4D97-AF65-F5344CB8AC3E}">
-        <p14:creationId xmlns:p14="http://schemas.microsoft.com/office/powerpoint/2010/main" val="3962566371"/>
+        <p14:creationId xmlns:p14="http://schemas.microsoft.com/office/powerpoint/2010/main" val="2195056081"/>
       </p:ext>
     </p:extLst>
   </p:cSld>
@@ -3388,7 +3388,7 @@
     </p:spTree>
     <p:extLst>
       <p:ext uri="{BB962C8B-B14F-4D97-AF65-F5344CB8AC3E}">
-        <p14:creationId xmlns:p14="http://schemas.microsoft.com/office/powerpoint/2010/main" val="3973696554"/>
+        <p14:creationId xmlns:p14="http://schemas.microsoft.com/office/powerpoint/2010/main" val="3708398117"/>
       </p:ext>
     </p:extLst>
   </p:cSld>
@@ -3448,7 +3448,7 @@
     </p:spTree>
     <p:extLst>
       <p:ext uri="{BB962C8B-B14F-4D97-AF65-F5344CB8AC3E}">
-        <p14:creationId xmlns:p14="http://schemas.microsoft.com/office/powerpoint/2010/main" val="877533654"/>
+        <p14:creationId xmlns:p14="http://schemas.microsoft.com/office/powerpoint/2010/main" val="2700636882"/>
       </p:ext>
     </p:extLst>
   </p:cSld>
@@ -3508,7 +3508,7 @@
     </p:spTree>
     <p:extLst>
       <p:ext uri="{BB962C8B-B14F-4D97-AF65-F5344CB8AC3E}">
-        <p14:creationId xmlns:p14="http://schemas.microsoft.com/office/powerpoint/2010/main" val="3347486686"/>
+        <p14:creationId xmlns:p14="http://schemas.microsoft.com/office/powerpoint/2010/main" val="2744367023"/>
       </p:ext>
     </p:extLst>
   </p:cSld>
@@ -3568,7 +3568,7 @@
     </p:spTree>
     <p:extLst>
       <p:ext uri="{BB962C8B-B14F-4D97-AF65-F5344CB8AC3E}">
-        <p14:creationId xmlns:p14="http://schemas.microsoft.com/office/powerpoint/2010/main" val="419113290"/>
+        <p14:creationId xmlns:p14="http://schemas.microsoft.com/office/powerpoint/2010/main" val="2203393315"/>
       </p:ext>
     </p:extLst>
   </p:cSld>
@@ -3628,7 +3628,7 @@
     </p:spTree>
     <p:extLst>
       <p:ext uri="{BB962C8B-B14F-4D97-AF65-F5344CB8AC3E}">
-        <p14:creationId xmlns:p14="http://schemas.microsoft.com/office/powerpoint/2010/main" val="1167926955"/>
+        <p14:creationId xmlns:p14="http://schemas.microsoft.com/office/powerpoint/2010/main" val="2913207948"/>
       </p:ext>
     </p:extLst>
   </p:cSld>
@@ -3688,7 +3688,7 @@
     </p:spTree>
     <p:extLst>
       <p:ext uri="{BB962C8B-B14F-4D97-AF65-F5344CB8AC3E}">
-        <p14:creationId xmlns:p14="http://schemas.microsoft.com/office/powerpoint/2010/main" val="242106548"/>
+        <p14:creationId xmlns:p14="http://schemas.microsoft.com/office/powerpoint/2010/main" val="3560417542"/>
       </p:ext>
     </p:extLst>
   </p:cSld>
@@ -3748,7 +3748,7 @@
     </p:spTree>
     <p:extLst>
       <p:ext uri="{BB962C8B-B14F-4D97-AF65-F5344CB8AC3E}">
-        <p14:creationId xmlns:p14="http://schemas.microsoft.com/office/powerpoint/2010/main" val="54772017"/>
+        <p14:creationId xmlns:p14="http://schemas.microsoft.com/office/powerpoint/2010/main" val="1438968283"/>
       </p:ext>
     </p:extLst>
   </p:cSld>
@@ -3808,7 +3808,7 @@
     </p:spTree>
     <p:extLst>
       <p:ext uri="{BB962C8B-B14F-4D97-AF65-F5344CB8AC3E}">
-        <p14:creationId xmlns:p14="http://schemas.microsoft.com/office/powerpoint/2010/main" val="1316868762"/>
+        <p14:creationId xmlns:p14="http://schemas.microsoft.com/office/powerpoint/2010/main" val="3590783790"/>
       </p:ext>
     </p:extLst>
   </p:cSld>
@@ -3868,7 +3868,7 @@
     </p:spTree>
     <p:extLst>
       <p:ext uri="{BB962C8B-B14F-4D97-AF65-F5344CB8AC3E}">
-        <p14:creationId xmlns:p14="http://schemas.microsoft.com/office/powerpoint/2010/main" val="4246267091"/>
+        <p14:creationId xmlns:p14="http://schemas.microsoft.com/office/powerpoint/2010/main" val="3061701907"/>
       </p:ext>
     </p:extLst>
   </p:cSld>
@@ -3928,7 +3928,7 @@
     </p:spTree>
     <p:extLst>
       <p:ext uri="{BB962C8B-B14F-4D97-AF65-F5344CB8AC3E}">
-        <p14:creationId xmlns:p14="http://schemas.microsoft.com/office/powerpoint/2010/main" val="1011506599"/>
+        <p14:creationId xmlns:p14="http://schemas.microsoft.com/office/powerpoint/2010/main" val="236738515"/>
       </p:ext>
     </p:extLst>
   </p:cSld>
@@ -3988,7 +3988,7 @@
     </p:spTree>
     <p:extLst>
       <p:ext uri="{BB962C8B-B14F-4D97-AF65-F5344CB8AC3E}">
-        <p14:creationId xmlns:p14="http://schemas.microsoft.com/office/powerpoint/2010/main" val="1268976523"/>
+        <p14:creationId xmlns:p14="http://schemas.microsoft.com/office/powerpoint/2010/main" val="4084850547"/>
       </p:ext>
     </p:extLst>
   </p:cSld>
@@ -4048,7 +4048,7 @@
     </p:spTree>
     <p:extLst>
       <p:ext uri="{BB962C8B-B14F-4D97-AF65-F5344CB8AC3E}">
-        <p14:creationId xmlns:p14="http://schemas.microsoft.com/office/powerpoint/2010/main" val="449725410"/>
+        <p14:creationId xmlns:p14="http://schemas.microsoft.com/office/powerpoint/2010/main" val="1104692996"/>
       </p:ext>
     </p:extLst>
   </p:cSld>
@@ -4108,7 +4108,7 @@
     </p:spTree>
     <p:extLst>
       <p:ext uri="{BB962C8B-B14F-4D97-AF65-F5344CB8AC3E}">
-        <p14:creationId xmlns:p14="http://schemas.microsoft.com/office/powerpoint/2010/main" val="1350600667"/>
+        <p14:creationId xmlns:p14="http://schemas.microsoft.com/office/powerpoint/2010/main" val="881359131"/>
       </p:ext>
     </p:extLst>
   </p:cSld>
@@ -4168,7 +4168,7 @@
     </p:spTree>
     <p:extLst>
       <p:ext uri="{BB962C8B-B14F-4D97-AF65-F5344CB8AC3E}">
-        <p14:creationId xmlns:p14="http://schemas.microsoft.com/office/powerpoint/2010/main" val="4284094298"/>
+        <p14:creationId xmlns:p14="http://schemas.microsoft.com/office/powerpoint/2010/main" val="3919124737"/>
       </p:ext>
     </p:extLst>
   </p:cSld>
@@ -4228,7 +4228,7 @@
     </p:spTree>
     <p:extLst>
       <p:ext uri="{BB962C8B-B14F-4D97-AF65-F5344CB8AC3E}">
-        <p14:creationId xmlns:p14="http://schemas.microsoft.com/office/powerpoint/2010/main" val="3669258923"/>
+        <p14:creationId xmlns:p14="http://schemas.microsoft.com/office/powerpoint/2010/main" val="580833485"/>
       </p:ext>
     </p:extLst>
   </p:cSld>
@@ -4288,7 +4288,7 @@
     </p:spTree>
     <p:extLst>
       <p:ext uri="{BB962C8B-B14F-4D97-AF65-F5344CB8AC3E}">
-        <p14:creationId xmlns:p14="http://schemas.microsoft.com/office/powerpoint/2010/main" val="823603230"/>
+        <p14:creationId xmlns:p14="http://schemas.microsoft.com/office/powerpoint/2010/main" val="1171412445"/>
       </p:ext>
     </p:extLst>
   </p:cSld>
@@ -4348,7 +4348,7 @@
     </p:spTree>
     <p:extLst>
       <p:ext uri="{BB962C8B-B14F-4D97-AF65-F5344CB8AC3E}">
-        <p14:creationId xmlns:p14="http://schemas.microsoft.com/office/powerpoint/2010/main" val="243444630"/>
+        <p14:creationId xmlns:p14="http://schemas.microsoft.com/office/powerpoint/2010/main" val="3706715709"/>
       </p:ext>
     </p:extLst>
   </p:cSld>
@@ -4408,7 +4408,7 @@
     </p:spTree>
     <p:extLst>
       <p:ext uri="{BB962C8B-B14F-4D97-AF65-F5344CB8AC3E}">
-        <p14:creationId xmlns:p14="http://schemas.microsoft.com/office/powerpoint/2010/main" val="2762137924"/>
+        <p14:creationId xmlns:p14="http://schemas.microsoft.com/office/powerpoint/2010/main" val="1076848029"/>
       </p:ext>
     </p:extLst>
   </p:cSld>
@@ -4468,7 +4468,7 @@
     </p:spTree>
     <p:extLst>
       <p:ext uri="{BB962C8B-B14F-4D97-AF65-F5344CB8AC3E}">
-        <p14:creationId xmlns:p14="http://schemas.microsoft.com/office/powerpoint/2010/main" val="3760345932"/>
+        <p14:creationId xmlns:p14="http://schemas.microsoft.com/office/powerpoint/2010/main" val="2373297658"/>
       </p:ext>
     </p:extLst>
   </p:cSld>
@@ -4528,7 +4528,7 @@
     </p:spTree>
     <p:extLst>
       <p:ext uri="{BB962C8B-B14F-4D97-AF65-F5344CB8AC3E}">
-        <p14:creationId xmlns:p14="http://schemas.microsoft.com/office/powerpoint/2010/main" val="507515997"/>
+        <p14:creationId xmlns:p14="http://schemas.microsoft.com/office/powerpoint/2010/main" val="2530598801"/>
       </p:ext>
     </p:extLst>
   </p:cSld>
@@ -4588,7 +4588,7 @@
     </p:spTree>
     <p:extLst>
       <p:ext uri="{BB962C8B-B14F-4D97-AF65-F5344CB8AC3E}">
-        <p14:creationId xmlns:p14="http://schemas.microsoft.com/office/powerpoint/2010/main" val="2078504070"/>
+        <p14:creationId xmlns:p14="http://schemas.microsoft.com/office/powerpoint/2010/main" val="4150190455"/>
       </p:ext>
     </p:extLst>
   </p:cSld>
@@ -4648,7 +4648,7 @@
     </p:spTree>
     <p:extLst>
       <p:ext uri="{BB962C8B-B14F-4D97-AF65-F5344CB8AC3E}">
-        <p14:creationId xmlns:p14="http://schemas.microsoft.com/office/powerpoint/2010/main" val="4023888319"/>
+        <p14:creationId xmlns:p14="http://schemas.microsoft.com/office/powerpoint/2010/main" val="2836833769"/>
       </p:ext>
     </p:extLst>
   </p:cSld>
@@ -4708,7 +4708,7 @@
     </p:spTree>
     <p:extLst>
       <p:ext uri="{BB962C8B-B14F-4D97-AF65-F5344CB8AC3E}">
-        <p14:creationId xmlns:p14="http://schemas.microsoft.com/office/powerpoint/2010/main" val="192759456"/>
+        <p14:creationId xmlns:p14="http://schemas.microsoft.com/office/powerpoint/2010/main" val="3221098044"/>
       </p:ext>
     </p:extLst>
   </p:cSld>
@@ -4768,7 +4768,7 @@
     </p:spTree>
     <p:extLst>
       <p:ext uri="{BB962C8B-B14F-4D97-AF65-F5344CB8AC3E}">
-        <p14:creationId xmlns:p14="http://schemas.microsoft.com/office/powerpoint/2010/main" val="4033239992"/>
+        <p14:creationId xmlns:p14="http://schemas.microsoft.com/office/powerpoint/2010/main" val="4038206102"/>
       </p:ext>
     </p:extLst>
   </p:cSld>
@@ -4828,7 +4828,7 @@
     </p:spTree>
     <p:extLst>
       <p:ext uri="{BB962C8B-B14F-4D97-AF65-F5344CB8AC3E}">
-        <p14:creationId xmlns:p14="http://schemas.microsoft.com/office/powerpoint/2010/main" val="559396186"/>
+        <p14:creationId xmlns:p14="http://schemas.microsoft.com/office/powerpoint/2010/main" val="2843680649"/>
       </p:ext>
     </p:extLst>
   </p:cSld>
@@ -4888,7 +4888,7 @@
     </p:spTree>
     <p:extLst>
       <p:ext uri="{BB962C8B-B14F-4D97-AF65-F5344CB8AC3E}">
-        <p14:creationId xmlns:p14="http://schemas.microsoft.com/office/powerpoint/2010/main" val="2846185234"/>
+        <p14:creationId xmlns:p14="http://schemas.microsoft.com/office/powerpoint/2010/main" val="2907446240"/>
       </p:ext>
     </p:extLst>
   </p:cSld>
@@ -4944,9 +4944,9 @@
         <a:latin typeface="Calibri Light" panose="020F0302020204030204"/>
         <a:ea typeface=""/>
         <a:cs typeface=""/>
-        <a:font script="Jpan" typeface="ＭＳ Ｐゴシック"/>
+        <a:font script="Jpan" typeface="游ゴシック Light"/>
         <a:font script="Hang" typeface="맑은 고딕"/>
-        <a:font script="Hans" typeface="宋体"/>
+        <a:font script="Hans" typeface="等线 Light"/>
         <a:font script="Hant" typeface="新細明體"/>
         <a:font script="Arab" typeface="Times New Roman"/>
         <a:font script="Hebr" typeface="Times New Roman"/>
@@ -4979,9 +4979,9 @@
         <a:latin typeface="Calibri" panose="020F0502020204030204"/>
         <a:ea typeface=""/>
         <a:cs typeface=""/>
-        <a:font script="Jpan" typeface="ＭＳ Ｐゴシック"/>
+        <a:font script="Jpan" typeface="游ゴシック"/>
         <a:font script="Hang" typeface="맑은 고딕"/>
-        <a:font script="Hans" typeface="宋体"/>
+        <a:font script="Hans" typeface="等线"/>
         <a:font script="Hant" typeface="新細明體"/>
         <a:font script="Arab" typeface="Arial"/>
         <a:font script="Hebr" typeface="Arial"/>

--- a/Research/Imaging Worksheets/Misc/Hadamard Masks 2.pptx
+++ b/Research/Imaging Worksheets/Misc/Hadamard Masks 2.pptx
@@ -5,38 +5,39 @@
     <p:sldMasterId id="2147483648" r:id="rId1"/>
   </p:sldMasterIdLst>
   <p:sldIdLst>
-    <p:sldId id="287" r:id="rId2"/>
-    <p:sldId id="286" r:id="rId3"/>
-    <p:sldId id="285" r:id="rId4"/>
-    <p:sldId id="284" r:id="rId5"/>
-    <p:sldId id="283" r:id="rId6"/>
-    <p:sldId id="282" r:id="rId7"/>
-    <p:sldId id="281" r:id="rId8"/>
-    <p:sldId id="280" r:id="rId9"/>
-    <p:sldId id="279" r:id="rId10"/>
-    <p:sldId id="278" r:id="rId11"/>
-    <p:sldId id="277" r:id="rId12"/>
-    <p:sldId id="276" r:id="rId13"/>
-    <p:sldId id="275" r:id="rId14"/>
-    <p:sldId id="274" r:id="rId15"/>
-    <p:sldId id="273" r:id="rId16"/>
-    <p:sldId id="272" r:id="rId17"/>
-    <p:sldId id="271" r:id="rId18"/>
-    <p:sldId id="270" r:id="rId19"/>
-    <p:sldId id="269" r:id="rId20"/>
-    <p:sldId id="268" r:id="rId21"/>
-    <p:sldId id="267" r:id="rId22"/>
-    <p:sldId id="266" r:id="rId23"/>
-    <p:sldId id="265" r:id="rId24"/>
-    <p:sldId id="264" r:id="rId25"/>
-    <p:sldId id="263" r:id="rId26"/>
-    <p:sldId id="262" r:id="rId27"/>
-    <p:sldId id="261" r:id="rId28"/>
-    <p:sldId id="260" r:id="rId29"/>
-    <p:sldId id="259" r:id="rId30"/>
-    <p:sldId id="258" r:id="rId31"/>
-    <p:sldId id="257" r:id="rId32"/>
-    <p:sldId id="256" r:id="rId33"/>
+    <p:sldId id="288" r:id="rId2"/>
+    <p:sldId id="287" r:id="rId3"/>
+    <p:sldId id="286" r:id="rId4"/>
+    <p:sldId id="285" r:id="rId5"/>
+    <p:sldId id="284" r:id="rId6"/>
+    <p:sldId id="283" r:id="rId7"/>
+    <p:sldId id="282" r:id="rId8"/>
+    <p:sldId id="281" r:id="rId9"/>
+    <p:sldId id="280" r:id="rId10"/>
+    <p:sldId id="279" r:id="rId11"/>
+    <p:sldId id="278" r:id="rId12"/>
+    <p:sldId id="277" r:id="rId13"/>
+    <p:sldId id="276" r:id="rId14"/>
+    <p:sldId id="275" r:id="rId15"/>
+    <p:sldId id="274" r:id="rId16"/>
+    <p:sldId id="273" r:id="rId17"/>
+    <p:sldId id="272" r:id="rId18"/>
+    <p:sldId id="271" r:id="rId19"/>
+    <p:sldId id="270" r:id="rId20"/>
+    <p:sldId id="269" r:id="rId21"/>
+    <p:sldId id="268" r:id="rId22"/>
+    <p:sldId id="267" r:id="rId23"/>
+    <p:sldId id="266" r:id="rId24"/>
+    <p:sldId id="265" r:id="rId25"/>
+    <p:sldId id="264" r:id="rId26"/>
+    <p:sldId id="263" r:id="rId27"/>
+    <p:sldId id="262" r:id="rId28"/>
+    <p:sldId id="261" r:id="rId29"/>
+    <p:sldId id="260" r:id="rId30"/>
+    <p:sldId id="259" r:id="rId31"/>
+    <p:sldId id="258" r:id="rId32"/>
+    <p:sldId id="257" r:id="rId33"/>
+    <p:sldId id="256" r:id="rId34"/>
   </p:sldIdLst>
   <p:sldSz cx="12192000" cy="6858000"/>
   <p:notesSz cx="6858000" cy="9144000"/>
@@ -267,9 +268,9 @@
           <a:bodyPr/>
           <a:lstStyle/>
           <a:p>
-            <a:fld id="{9D7EEAAB-5EEA-4F5A-94D4-41A325B7A4AA}" type="datetimeFigureOut">
-              <a:rPr lang="en-US" smtClean="0"/>
-              <a:t>1/14/2016</a:t>
+            <a:fld id="{6027AA2B-F298-45CE-96FA-B229331A72FB}" type="datetimeFigureOut">
+              <a:rPr lang="en-US" smtClean="0"/>
+              <a:t>1/18/2016</a:t>
             </a:fld>
             <a:endParaRPr lang="en-US"/>
           </a:p>
@@ -309,7 +310,7 @@
           <a:bodyPr/>
           <a:lstStyle/>
           <a:p>
-            <a:fld id="{EA39AF77-9E84-4B70-9DF7-5DE84AD3265E}" type="slidenum">
+            <a:fld id="{892DA14F-52B5-4C3F-A5ED-71202CFF9C6F}" type="slidenum">
               <a:rPr lang="en-US" smtClean="0"/>
               <a:t>‹#›</a:t>
             </a:fld>
@@ -320,7 +321,7 @@
     </p:spTree>
     <p:extLst>
       <p:ext uri="{BB962C8B-B14F-4D97-AF65-F5344CB8AC3E}">
-        <p14:creationId xmlns:p14="http://schemas.microsoft.com/office/powerpoint/2010/main" val="2923245309"/>
+        <p14:creationId xmlns:p14="http://schemas.microsoft.com/office/powerpoint/2010/main" val="933407558"/>
       </p:ext>
     </p:extLst>
   </p:cSld>
@@ -388,7 +389,7 @@
             <a:pPr lvl="0"/>
             <a:r>
               <a:rPr lang="en-US" smtClean="0"/>
-              <a:t>Edit Master text styles</a:t>
+              <a:t>Click to edit Master text styles</a:t>
             </a:r>
           </a:p>
           <a:p>
@@ -437,9 +438,9 @@
           <a:bodyPr/>
           <a:lstStyle/>
           <a:p>
-            <a:fld id="{9D7EEAAB-5EEA-4F5A-94D4-41A325B7A4AA}" type="datetimeFigureOut">
-              <a:rPr lang="en-US" smtClean="0"/>
-              <a:t>1/14/2016</a:t>
+            <a:fld id="{6027AA2B-F298-45CE-96FA-B229331A72FB}" type="datetimeFigureOut">
+              <a:rPr lang="en-US" smtClean="0"/>
+              <a:t>1/18/2016</a:t>
             </a:fld>
             <a:endParaRPr lang="en-US"/>
           </a:p>
@@ -479,7 +480,7 @@
           <a:bodyPr/>
           <a:lstStyle/>
           <a:p>
-            <a:fld id="{EA39AF77-9E84-4B70-9DF7-5DE84AD3265E}" type="slidenum">
+            <a:fld id="{892DA14F-52B5-4C3F-A5ED-71202CFF9C6F}" type="slidenum">
               <a:rPr lang="en-US" smtClean="0"/>
               <a:t>‹#›</a:t>
             </a:fld>
@@ -490,7 +491,7 @@
     </p:spTree>
     <p:extLst>
       <p:ext uri="{BB962C8B-B14F-4D97-AF65-F5344CB8AC3E}">
-        <p14:creationId xmlns:p14="http://schemas.microsoft.com/office/powerpoint/2010/main" val="3214945661"/>
+        <p14:creationId xmlns:p14="http://schemas.microsoft.com/office/powerpoint/2010/main" val="4070885018"/>
       </p:ext>
     </p:extLst>
   </p:cSld>
@@ -568,7 +569,7 @@
             <a:pPr lvl="0"/>
             <a:r>
               <a:rPr lang="en-US" smtClean="0"/>
-              <a:t>Edit Master text styles</a:t>
+              <a:t>Click to edit Master text styles</a:t>
             </a:r>
           </a:p>
           <a:p>
@@ -617,9 +618,9 @@
           <a:bodyPr/>
           <a:lstStyle/>
           <a:p>
-            <a:fld id="{9D7EEAAB-5EEA-4F5A-94D4-41A325B7A4AA}" type="datetimeFigureOut">
-              <a:rPr lang="en-US" smtClean="0"/>
-              <a:t>1/14/2016</a:t>
+            <a:fld id="{6027AA2B-F298-45CE-96FA-B229331A72FB}" type="datetimeFigureOut">
+              <a:rPr lang="en-US" smtClean="0"/>
+              <a:t>1/18/2016</a:t>
             </a:fld>
             <a:endParaRPr lang="en-US"/>
           </a:p>
@@ -659,7 +660,7 @@
           <a:bodyPr/>
           <a:lstStyle/>
           <a:p>
-            <a:fld id="{EA39AF77-9E84-4B70-9DF7-5DE84AD3265E}" type="slidenum">
+            <a:fld id="{892DA14F-52B5-4C3F-A5ED-71202CFF9C6F}" type="slidenum">
               <a:rPr lang="en-US" smtClean="0"/>
               <a:t>‹#›</a:t>
             </a:fld>
@@ -670,7 +671,7 @@
     </p:spTree>
     <p:extLst>
       <p:ext uri="{BB962C8B-B14F-4D97-AF65-F5344CB8AC3E}">
-        <p14:creationId xmlns:p14="http://schemas.microsoft.com/office/powerpoint/2010/main" val="946168824"/>
+        <p14:creationId xmlns:p14="http://schemas.microsoft.com/office/powerpoint/2010/main" val="2578217874"/>
       </p:ext>
     </p:extLst>
   </p:cSld>
@@ -738,7 +739,7 @@
             <a:pPr lvl="0"/>
             <a:r>
               <a:rPr lang="en-US" smtClean="0"/>
-              <a:t>Edit Master text styles</a:t>
+              <a:t>Click to edit Master text styles</a:t>
             </a:r>
           </a:p>
           <a:p>
@@ -787,9 +788,9 @@
           <a:bodyPr/>
           <a:lstStyle/>
           <a:p>
-            <a:fld id="{9D7EEAAB-5EEA-4F5A-94D4-41A325B7A4AA}" type="datetimeFigureOut">
-              <a:rPr lang="en-US" smtClean="0"/>
-              <a:t>1/14/2016</a:t>
+            <a:fld id="{6027AA2B-F298-45CE-96FA-B229331A72FB}" type="datetimeFigureOut">
+              <a:rPr lang="en-US" smtClean="0"/>
+              <a:t>1/18/2016</a:t>
             </a:fld>
             <a:endParaRPr lang="en-US"/>
           </a:p>
@@ -829,7 +830,7 @@
           <a:bodyPr/>
           <a:lstStyle/>
           <a:p>
-            <a:fld id="{EA39AF77-9E84-4B70-9DF7-5DE84AD3265E}" type="slidenum">
+            <a:fld id="{892DA14F-52B5-4C3F-A5ED-71202CFF9C6F}" type="slidenum">
               <a:rPr lang="en-US" smtClean="0"/>
               <a:t>‹#›</a:t>
             </a:fld>
@@ -840,7 +841,7 @@
     </p:spTree>
     <p:extLst>
       <p:ext uri="{BB962C8B-B14F-4D97-AF65-F5344CB8AC3E}">
-        <p14:creationId xmlns:p14="http://schemas.microsoft.com/office/powerpoint/2010/main" val="900760812"/>
+        <p14:creationId xmlns:p14="http://schemas.microsoft.com/office/powerpoint/2010/main" val="402768342"/>
       </p:ext>
     </p:extLst>
   </p:cSld>
@@ -1013,7 +1014,7 @@
             <a:pPr lvl="0"/>
             <a:r>
               <a:rPr lang="en-US" smtClean="0"/>
-              <a:t>Edit Master text styles</a:t>
+              <a:t>Click to edit Master text styles</a:t>
             </a:r>
           </a:p>
         </p:txBody>
@@ -1033,9 +1034,9 @@
           <a:bodyPr/>
           <a:lstStyle/>
           <a:p>
-            <a:fld id="{9D7EEAAB-5EEA-4F5A-94D4-41A325B7A4AA}" type="datetimeFigureOut">
-              <a:rPr lang="en-US" smtClean="0"/>
-              <a:t>1/14/2016</a:t>
+            <a:fld id="{6027AA2B-F298-45CE-96FA-B229331A72FB}" type="datetimeFigureOut">
+              <a:rPr lang="en-US" smtClean="0"/>
+              <a:t>1/18/2016</a:t>
             </a:fld>
             <a:endParaRPr lang="en-US"/>
           </a:p>
@@ -1075,7 +1076,7 @@
           <a:bodyPr/>
           <a:lstStyle/>
           <a:p>
-            <a:fld id="{EA39AF77-9E84-4B70-9DF7-5DE84AD3265E}" type="slidenum">
+            <a:fld id="{892DA14F-52B5-4C3F-A5ED-71202CFF9C6F}" type="slidenum">
               <a:rPr lang="en-US" smtClean="0"/>
               <a:t>‹#›</a:t>
             </a:fld>
@@ -1086,7 +1087,7 @@
     </p:spTree>
     <p:extLst>
       <p:ext uri="{BB962C8B-B14F-4D97-AF65-F5344CB8AC3E}">
-        <p14:creationId xmlns:p14="http://schemas.microsoft.com/office/powerpoint/2010/main" val="1704907586"/>
+        <p14:creationId xmlns:p14="http://schemas.microsoft.com/office/powerpoint/2010/main" val="1392319943"/>
       </p:ext>
     </p:extLst>
   </p:cSld>
@@ -1159,7 +1160,7 @@
             <a:pPr lvl="0"/>
             <a:r>
               <a:rPr lang="en-US" smtClean="0"/>
-              <a:t>Edit Master text styles</a:t>
+              <a:t>Click to edit Master text styles</a:t>
             </a:r>
           </a:p>
           <a:p>
@@ -1216,7 +1217,7 @@
             <a:pPr lvl="0"/>
             <a:r>
               <a:rPr lang="en-US" smtClean="0"/>
-              <a:t>Edit Master text styles</a:t>
+              <a:t>Click to edit Master text styles</a:t>
             </a:r>
           </a:p>
           <a:p>
@@ -1265,9 +1266,9 @@
           <a:bodyPr/>
           <a:lstStyle/>
           <a:p>
-            <a:fld id="{9D7EEAAB-5EEA-4F5A-94D4-41A325B7A4AA}" type="datetimeFigureOut">
-              <a:rPr lang="en-US" smtClean="0"/>
-              <a:t>1/14/2016</a:t>
+            <a:fld id="{6027AA2B-F298-45CE-96FA-B229331A72FB}" type="datetimeFigureOut">
+              <a:rPr lang="en-US" smtClean="0"/>
+              <a:t>1/18/2016</a:t>
             </a:fld>
             <a:endParaRPr lang="en-US"/>
           </a:p>
@@ -1307,7 +1308,7 @@
           <a:bodyPr/>
           <a:lstStyle/>
           <a:p>
-            <a:fld id="{EA39AF77-9E84-4B70-9DF7-5DE84AD3265E}" type="slidenum">
+            <a:fld id="{892DA14F-52B5-4C3F-A5ED-71202CFF9C6F}" type="slidenum">
               <a:rPr lang="en-US" smtClean="0"/>
               <a:t>‹#›</a:t>
             </a:fld>
@@ -1318,7 +1319,7 @@
     </p:spTree>
     <p:extLst>
       <p:ext uri="{BB962C8B-B14F-4D97-AF65-F5344CB8AC3E}">
-        <p14:creationId xmlns:p14="http://schemas.microsoft.com/office/powerpoint/2010/main" val="966566296"/>
+        <p14:creationId xmlns:p14="http://schemas.microsoft.com/office/powerpoint/2010/main" val="4180887634"/>
       </p:ext>
     </p:extLst>
   </p:cSld>
@@ -1433,7 +1434,7 @@
             <a:pPr lvl="0"/>
             <a:r>
               <a:rPr lang="en-US" smtClean="0"/>
-              <a:t>Edit Master text styles</a:t>
+              <a:t>Click to edit Master text styles</a:t>
             </a:r>
           </a:p>
         </p:txBody>
@@ -1461,7 +1462,7 @@
             <a:pPr lvl="0"/>
             <a:r>
               <a:rPr lang="en-US" smtClean="0"/>
-              <a:t>Edit Master text styles</a:t>
+              <a:t>Click to edit Master text styles</a:t>
             </a:r>
           </a:p>
           <a:p>
@@ -1555,7 +1556,7 @@
             <a:pPr lvl="0"/>
             <a:r>
               <a:rPr lang="en-US" smtClean="0"/>
-              <a:t>Edit Master text styles</a:t>
+              <a:t>Click to edit Master text styles</a:t>
             </a:r>
           </a:p>
         </p:txBody>
@@ -1583,7 +1584,7 @@
             <a:pPr lvl="0"/>
             <a:r>
               <a:rPr lang="en-US" smtClean="0"/>
-              <a:t>Edit Master text styles</a:t>
+              <a:t>Click to edit Master text styles</a:t>
             </a:r>
           </a:p>
           <a:p>
@@ -1632,9 +1633,9 @@
           <a:bodyPr/>
           <a:lstStyle/>
           <a:p>
-            <a:fld id="{9D7EEAAB-5EEA-4F5A-94D4-41A325B7A4AA}" type="datetimeFigureOut">
-              <a:rPr lang="en-US" smtClean="0"/>
-              <a:t>1/14/2016</a:t>
+            <a:fld id="{6027AA2B-F298-45CE-96FA-B229331A72FB}" type="datetimeFigureOut">
+              <a:rPr lang="en-US" smtClean="0"/>
+              <a:t>1/18/2016</a:t>
             </a:fld>
             <a:endParaRPr lang="en-US"/>
           </a:p>
@@ -1674,7 +1675,7 @@
           <a:bodyPr/>
           <a:lstStyle/>
           <a:p>
-            <a:fld id="{EA39AF77-9E84-4B70-9DF7-5DE84AD3265E}" type="slidenum">
+            <a:fld id="{892DA14F-52B5-4C3F-A5ED-71202CFF9C6F}" type="slidenum">
               <a:rPr lang="en-US" smtClean="0"/>
               <a:t>‹#›</a:t>
             </a:fld>
@@ -1685,7 +1686,7 @@
     </p:spTree>
     <p:extLst>
       <p:ext uri="{BB962C8B-B14F-4D97-AF65-F5344CB8AC3E}">
-        <p14:creationId xmlns:p14="http://schemas.microsoft.com/office/powerpoint/2010/main" val="2400024265"/>
+        <p14:creationId xmlns:p14="http://schemas.microsoft.com/office/powerpoint/2010/main" val="924563293"/>
       </p:ext>
     </p:extLst>
   </p:cSld>
@@ -1750,9 +1751,9 @@
           <a:bodyPr/>
           <a:lstStyle/>
           <a:p>
-            <a:fld id="{9D7EEAAB-5EEA-4F5A-94D4-41A325B7A4AA}" type="datetimeFigureOut">
-              <a:rPr lang="en-US" smtClean="0"/>
-              <a:t>1/14/2016</a:t>
+            <a:fld id="{6027AA2B-F298-45CE-96FA-B229331A72FB}" type="datetimeFigureOut">
+              <a:rPr lang="en-US" smtClean="0"/>
+              <a:t>1/18/2016</a:t>
             </a:fld>
             <a:endParaRPr lang="en-US"/>
           </a:p>
@@ -1792,7 +1793,7 @@
           <a:bodyPr/>
           <a:lstStyle/>
           <a:p>
-            <a:fld id="{EA39AF77-9E84-4B70-9DF7-5DE84AD3265E}" type="slidenum">
+            <a:fld id="{892DA14F-52B5-4C3F-A5ED-71202CFF9C6F}" type="slidenum">
               <a:rPr lang="en-US" smtClean="0"/>
               <a:t>‹#›</a:t>
             </a:fld>
@@ -1803,7 +1804,7 @@
     </p:spTree>
     <p:extLst>
       <p:ext uri="{BB962C8B-B14F-4D97-AF65-F5344CB8AC3E}">
-        <p14:creationId xmlns:p14="http://schemas.microsoft.com/office/powerpoint/2010/main" val="560120461"/>
+        <p14:creationId xmlns:p14="http://schemas.microsoft.com/office/powerpoint/2010/main" val="165850615"/>
       </p:ext>
     </p:extLst>
   </p:cSld>
@@ -1845,9 +1846,9 @@
           <a:bodyPr/>
           <a:lstStyle/>
           <a:p>
-            <a:fld id="{9D7EEAAB-5EEA-4F5A-94D4-41A325B7A4AA}" type="datetimeFigureOut">
-              <a:rPr lang="en-US" smtClean="0"/>
-              <a:t>1/14/2016</a:t>
+            <a:fld id="{6027AA2B-F298-45CE-96FA-B229331A72FB}" type="datetimeFigureOut">
+              <a:rPr lang="en-US" smtClean="0"/>
+              <a:t>1/18/2016</a:t>
             </a:fld>
             <a:endParaRPr lang="en-US"/>
           </a:p>
@@ -1887,7 +1888,7 @@
           <a:bodyPr/>
           <a:lstStyle/>
           <a:p>
-            <a:fld id="{EA39AF77-9E84-4B70-9DF7-5DE84AD3265E}" type="slidenum">
+            <a:fld id="{892DA14F-52B5-4C3F-A5ED-71202CFF9C6F}" type="slidenum">
               <a:rPr lang="en-US" smtClean="0"/>
               <a:t>‹#›</a:t>
             </a:fld>
@@ -1898,7 +1899,7 @@
     </p:spTree>
     <p:extLst>
       <p:ext uri="{BB962C8B-B14F-4D97-AF65-F5344CB8AC3E}">
-        <p14:creationId xmlns:p14="http://schemas.microsoft.com/office/powerpoint/2010/main" val="1186074474"/>
+        <p14:creationId xmlns:p14="http://schemas.microsoft.com/office/powerpoint/2010/main" val="1222388487"/>
       </p:ext>
     </p:extLst>
   </p:cSld>
@@ -2008,7 +2009,7 @@
             <a:pPr lvl="0"/>
             <a:r>
               <a:rPr lang="en-US" smtClean="0"/>
-              <a:t>Edit Master text styles</a:t>
+              <a:t>Click to edit Master text styles</a:t>
             </a:r>
           </a:p>
           <a:p>
@@ -2102,7 +2103,7 @@
             <a:pPr lvl="0"/>
             <a:r>
               <a:rPr lang="en-US" smtClean="0"/>
-              <a:t>Edit Master text styles</a:t>
+              <a:t>Click to edit Master text styles</a:t>
             </a:r>
           </a:p>
         </p:txBody>
@@ -2122,9 +2123,9 @@
           <a:bodyPr/>
           <a:lstStyle/>
           <a:p>
-            <a:fld id="{9D7EEAAB-5EEA-4F5A-94D4-41A325B7A4AA}" type="datetimeFigureOut">
-              <a:rPr lang="en-US" smtClean="0"/>
-              <a:t>1/14/2016</a:t>
+            <a:fld id="{6027AA2B-F298-45CE-96FA-B229331A72FB}" type="datetimeFigureOut">
+              <a:rPr lang="en-US" smtClean="0"/>
+              <a:t>1/18/2016</a:t>
             </a:fld>
             <a:endParaRPr lang="en-US"/>
           </a:p>
@@ -2164,7 +2165,7 @@
           <a:bodyPr/>
           <a:lstStyle/>
           <a:p>
-            <a:fld id="{EA39AF77-9E84-4B70-9DF7-5DE84AD3265E}" type="slidenum">
+            <a:fld id="{892DA14F-52B5-4C3F-A5ED-71202CFF9C6F}" type="slidenum">
               <a:rPr lang="en-US" smtClean="0"/>
               <a:t>‹#›</a:t>
             </a:fld>
@@ -2175,7 +2176,7 @@
     </p:spTree>
     <p:extLst>
       <p:ext uri="{BB962C8B-B14F-4D97-AF65-F5344CB8AC3E}">
-        <p14:creationId xmlns:p14="http://schemas.microsoft.com/office/powerpoint/2010/main" val="3457107398"/>
+        <p14:creationId xmlns:p14="http://schemas.microsoft.com/office/powerpoint/2010/main" val="3220243943"/>
       </p:ext>
     </p:extLst>
   </p:cSld>
@@ -2355,7 +2356,7 @@
             <a:pPr lvl="0"/>
             <a:r>
               <a:rPr lang="en-US" smtClean="0"/>
-              <a:t>Edit Master text styles</a:t>
+              <a:t>Click to edit Master text styles</a:t>
             </a:r>
           </a:p>
         </p:txBody>
@@ -2375,9 +2376,9 @@
           <a:bodyPr/>
           <a:lstStyle/>
           <a:p>
-            <a:fld id="{9D7EEAAB-5EEA-4F5A-94D4-41A325B7A4AA}" type="datetimeFigureOut">
-              <a:rPr lang="en-US" smtClean="0"/>
-              <a:t>1/14/2016</a:t>
+            <a:fld id="{6027AA2B-F298-45CE-96FA-B229331A72FB}" type="datetimeFigureOut">
+              <a:rPr lang="en-US" smtClean="0"/>
+              <a:t>1/18/2016</a:t>
             </a:fld>
             <a:endParaRPr lang="en-US"/>
           </a:p>
@@ -2417,7 +2418,7 @@
           <a:bodyPr/>
           <a:lstStyle/>
           <a:p>
-            <a:fld id="{EA39AF77-9E84-4B70-9DF7-5DE84AD3265E}" type="slidenum">
+            <a:fld id="{892DA14F-52B5-4C3F-A5ED-71202CFF9C6F}" type="slidenum">
               <a:rPr lang="en-US" smtClean="0"/>
               <a:t>‹#›</a:t>
             </a:fld>
@@ -2428,7 +2429,7 @@
     </p:spTree>
     <p:extLst>
       <p:ext uri="{BB962C8B-B14F-4D97-AF65-F5344CB8AC3E}">
-        <p14:creationId xmlns:p14="http://schemas.microsoft.com/office/powerpoint/2010/main" val="100923247"/>
+        <p14:creationId xmlns:p14="http://schemas.microsoft.com/office/powerpoint/2010/main" val="3492164134"/>
       </p:ext>
     </p:extLst>
   </p:cSld>
@@ -2521,7 +2522,7 @@
             <a:pPr lvl="0"/>
             <a:r>
               <a:rPr lang="en-US" smtClean="0"/>
-              <a:t>Edit Master text styles</a:t>
+              <a:t>Click to edit Master text styles</a:t>
             </a:r>
           </a:p>
           <a:p>
@@ -2588,9 +2589,9 @@
             </a:lvl1pPr>
           </a:lstStyle>
           <a:p>
-            <a:fld id="{9D7EEAAB-5EEA-4F5A-94D4-41A325B7A4AA}" type="datetimeFigureOut">
-              <a:rPr lang="en-US" smtClean="0"/>
-              <a:t>1/14/2016</a:t>
+            <a:fld id="{6027AA2B-F298-45CE-96FA-B229331A72FB}" type="datetimeFigureOut">
+              <a:rPr lang="en-US" smtClean="0"/>
+              <a:t>1/18/2016</a:t>
             </a:fld>
             <a:endParaRPr lang="en-US"/>
           </a:p>
@@ -2666,7 +2667,7 @@
             </a:lvl1pPr>
           </a:lstStyle>
           <a:p>
-            <a:fld id="{EA39AF77-9E84-4B70-9DF7-5DE84AD3265E}" type="slidenum">
+            <a:fld id="{892DA14F-52B5-4C3F-A5ED-71202CFF9C6F}" type="slidenum">
               <a:rPr lang="en-US" smtClean="0"/>
               <a:t>‹#›</a:t>
             </a:fld>
@@ -2677,7 +2678,7 @@
     </p:spTree>
     <p:extLst>
       <p:ext uri="{BB962C8B-B14F-4D97-AF65-F5344CB8AC3E}">
-        <p14:creationId xmlns:p14="http://schemas.microsoft.com/office/powerpoint/2010/main" val="14724158"/>
+        <p14:creationId xmlns:p14="http://schemas.microsoft.com/office/powerpoint/2010/main" val="2748505329"/>
       </p:ext>
     </p:extLst>
   </p:cSld>
@@ -2995,40 +2996,10 @@
           <a:chExt cx="0" cy="0"/>
         </a:xfrm>
       </p:grpSpPr>
-      <p:pic>
-        <p:nvPicPr>
-          <p:cNvPr id="2" name="Picture 1"/>
-          <p:cNvPicPr>
-            <a:picLocks noChangeAspect="1"/>
-          </p:cNvPicPr>
-          <p:nvPr/>
-        </p:nvPicPr>
-        <p:blipFill>
-          <a:blip r:embed="rId3">
-            <a:extLst>
-              <a:ext uri="{28A0092B-C50C-407E-A947-70E740481C1C}">
-                <a14:useLocalDpi xmlns:a14="http://schemas.microsoft.com/office/drawing/2010/main" val="0"/>
-              </a:ext>
-            </a:extLst>
-          </a:blip>
-          <a:stretch>
-            <a:fillRect/>
-          </a:stretch>
-        </p:blipFill>
-        <p:spPr>
-          <a:xfrm>
-            <a:off x="2540000" y="0"/>
-            <a:ext cx="6858000" cy="6858000"/>
-          </a:xfrm>
-          <a:prstGeom prst="rect">
-            <a:avLst/>
-          </a:prstGeom>
-        </p:spPr>
-      </p:pic>
     </p:spTree>
     <p:extLst>
       <p:ext uri="{BB962C8B-B14F-4D97-AF65-F5344CB8AC3E}">
-        <p14:creationId xmlns:p14="http://schemas.microsoft.com/office/powerpoint/2010/main" val="3912957463"/>
+        <p14:creationId xmlns:p14="http://schemas.microsoft.com/office/powerpoint/2010/main" val="1946760859"/>
       </p:ext>
     </p:extLst>
   </p:cSld>
@@ -3059,7 +3030,7 @@
         <p:nvPicPr>
           <p:cNvPr id="2" name="Picture 1"/>
           <p:cNvPicPr>
-            <a:picLocks noChangeAspect="1"/>
+            <a:picLocks/>
           </p:cNvPicPr>
           <p:nvPr/>
         </p:nvPicPr>
@@ -3077,8 +3048,8 @@
         </p:blipFill>
         <p:spPr>
           <a:xfrm>
-            <a:off x="2540000" y="0"/>
-            <a:ext cx="6858000" cy="6858000"/>
+            <a:off x="3810000" y="1270000"/>
+            <a:ext cx="4445000" cy="4445000"/>
           </a:xfrm>
           <a:prstGeom prst="rect">
             <a:avLst/>
@@ -3088,7 +3059,7 @@
     </p:spTree>
     <p:extLst>
       <p:ext uri="{BB962C8B-B14F-4D97-AF65-F5344CB8AC3E}">
-        <p14:creationId xmlns:p14="http://schemas.microsoft.com/office/powerpoint/2010/main" val="1522014087"/>
+        <p14:creationId xmlns:p14="http://schemas.microsoft.com/office/powerpoint/2010/main" val="2014345561"/>
       </p:ext>
     </p:extLst>
   </p:cSld>
@@ -3119,7 +3090,7 @@
         <p:nvPicPr>
           <p:cNvPr id="2" name="Picture 1"/>
           <p:cNvPicPr>
-            <a:picLocks noChangeAspect="1"/>
+            <a:picLocks/>
           </p:cNvPicPr>
           <p:nvPr/>
         </p:nvPicPr>
@@ -3137,8 +3108,8 @@
         </p:blipFill>
         <p:spPr>
           <a:xfrm>
-            <a:off x="2540000" y="0"/>
-            <a:ext cx="6858000" cy="6858000"/>
+            <a:off x="3810000" y="1270000"/>
+            <a:ext cx="4445000" cy="4445000"/>
           </a:xfrm>
           <a:prstGeom prst="rect">
             <a:avLst/>
@@ -3148,7 +3119,7 @@
     </p:spTree>
     <p:extLst>
       <p:ext uri="{BB962C8B-B14F-4D97-AF65-F5344CB8AC3E}">
-        <p14:creationId xmlns:p14="http://schemas.microsoft.com/office/powerpoint/2010/main" val="2573310023"/>
+        <p14:creationId xmlns:p14="http://schemas.microsoft.com/office/powerpoint/2010/main" val="2031039601"/>
       </p:ext>
     </p:extLst>
   </p:cSld>
@@ -3179,7 +3150,7 @@
         <p:nvPicPr>
           <p:cNvPr id="2" name="Picture 1"/>
           <p:cNvPicPr>
-            <a:picLocks noChangeAspect="1"/>
+            <a:picLocks/>
           </p:cNvPicPr>
           <p:nvPr/>
         </p:nvPicPr>
@@ -3197,8 +3168,8 @@
         </p:blipFill>
         <p:spPr>
           <a:xfrm>
-            <a:off x="2540000" y="0"/>
-            <a:ext cx="6858000" cy="6858000"/>
+            <a:off x="3810000" y="1270000"/>
+            <a:ext cx="4445000" cy="4445000"/>
           </a:xfrm>
           <a:prstGeom prst="rect">
             <a:avLst/>
@@ -3208,7 +3179,7 @@
     </p:spTree>
     <p:extLst>
       <p:ext uri="{BB962C8B-B14F-4D97-AF65-F5344CB8AC3E}">
-        <p14:creationId xmlns:p14="http://schemas.microsoft.com/office/powerpoint/2010/main" val="3310283433"/>
+        <p14:creationId xmlns:p14="http://schemas.microsoft.com/office/powerpoint/2010/main" val="2019874051"/>
       </p:ext>
     </p:extLst>
   </p:cSld>
@@ -3239,7 +3210,7 @@
         <p:nvPicPr>
           <p:cNvPr id="2" name="Picture 1"/>
           <p:cNvPicPr>
-            <a:picLocks noChangeAspect="1"/>
+            <a:picLocks/>
           </p:cNvPicPr>
           <p:nvPr/>
         </p:nvPicPr>
@@ -3257,8 +3228,8 @@
         </p:blipFill>
         <p:spPr>
           <a:xfrm>
-            <a:off x="2540000" y="0"/>
-            <a:ext cx="6858000" cy="6858000"/>
+            <a:off x="3810000" y="1270000"/>
+            <a:ext cx="4445000" cy="4445000"/>
           </a:xfrm>
           <a:prstGeom prst="rect">
             <a:avLst/>
@@ -3268,7 +3239,7 @@
     </p:spTree>
     <p:extLst>
       <p:ext uri="{BB962C8B-B14F-4D97-AF65-F5344CB8AC3E}">
-        <p14:creationId xmlns:p14="http://schemas.microsoft.com/office/powerpoint/2010/main" val="815878944"/>
+        <p14:creationId xmlns:p14="http://schemas.microsoft.com/office/powerpoint/2010/main" val="254008083"/>
       </p:ext>
     </p:extLst>
   </p:cSld>
@@ -3299,7 +3270,7 @@
         <p:nvPicPr>
           <p:cNvPr id="2" name="Picture 1"/>
           <p:cNvPicPr>
-            <a:picLocks noChangeAspect="1"/>
+            <a:picLocks/>
           </p:cNvPicPr>
           <p:nvPr/>
         </p:nvPicPr>
@@ -3317,8 +3288,8 @@
         </p:blipFill>
         <p:spPr>
           <a:xfrm>
-            <a:off x="2540000" y="0"/>
-            <a:ext cx="6858000" cy="6858000"/>
+            <a:off x="3810000" y="1270000"/>
+            <a:ext cx="4445000" cy="4445000"/>
           </a:xfrm>
           <a:prstGeom prst="rect">
             <a:avLst/>
@@ -3328,7 +3299,7 @@
     </p:spTree>
     <p:extLst>
       <p:ext uri="{BB962C8B-B14F-4D97-AF65-F5344CB8AC3E}">
-        <p14:creationId xmlns:p14="http://schemas.microsoft.com/office/powerpoint/2010/main" val="2195056081"/>
+        <p14:creationId xmlns:p14="http://schemas.microsoft.com/office/powerpoint/2010/main" val="1237726066"/>
       </p:ext>
     </p:extLst>
   </p:cSld>
@@ -3359,7 +3330,7 @@
         <p:nvPicPr>
           <p:cNvPr id="2" name="Picture 1"/>
           <p:cNvPicPr>
-            <a:picLocks noChangeAspect="1"/>
+            <a:picLocks/>
           </p:cNvPicPr>
           <p:nvPr/>
         </p:nvPicPr>
@@ -3377,8 +3348,8 @@
         </p:blipFill>
         <p:spPr>
           <a:xfrm>
-            <a:off x="2540000" y="0"/>
-            <a:ext cx="6858000" cy="6858000"/>
+            <a:off x="3810000" y="1270000"/>
+            <a:ext cx="4445000" cy="4445000"/>
           </a:xfrm>
           <a:prstGeom prst="rect">
             <a:avLst/>
@@ -3388,7 +3359,7 @@
     </p:spTree>
     <p:extLst>
       <p:ext uri="{BB962C8B-B14F-4D97-AF65-F5344CB8AC3E}">
-        <p14:creationId xmlns:p14="http://schemas.microsoft.com/office/powerpoint/2010/main" val="3708398117"/>
+        <p14:creationId xmlns:p14="http://schemas.microsoft.com/office/powerpoint/2010/main" val="895794358"/>
       </p:ext>
     </p:extLst>
   </p:cSld>
@@ -3419,7 +3390,7 @@
         <p:nvPicPr>
           <p:cNvPr id="2" name="Picture 1"/>
           <p:cNvPicPr>
-            <a:picLocks noChangeAspect="1"/>
+            <a:picLocks/>
           </p:cNvPicPr>
           <p:nvPr/>
         </p:nvPicPr>
@@ -3437,8 +3408,8 @@
         </p:blipFill>
         <p:spPr>
           <a:xfrm>
-            <a:off x="2540000" y="0"/>
-            <a:ext cx="6858000" cy="6858000"/>
+            <a:off x="3810000" y="1270000"/>
+            <a:ext cx="4445000" cy="4445000"/>
           </a:xfrm>
           <a:prstGeom prst="rect">
             <a:avLst/>
@@ -3448,7 +3419,7 @@
     </p:spTree>
     <p:extLst>
       <p:ext uri="{BB962C8B-B14F-4D97-AF65-F5344CB8AC3E}">
-        <p14:creationId xmlns:p14="http://schemas.microsoft.com/office/powerpoint/2010/main" val="2700636882"/>
+        <p14:creationId xmlns:p14="http://schemas.microsoft.com/office/powerpoint/2010/main" val="2377286005"/>
       </p:ext>
     </p:extLst>
   </p:cSld>
@@ -3479,7 +3450,7 @@
         <p:nvPicPr>
           <p:cNvPr id="2" name="Picture 1"/>
           <p:cNvPicPr>
-            <a:picLocks noChangeAspect="1"/>
+            <a:picLocks/>
           </p:cNvPicPr>
           <p:nvPr/>
         </p:nvPicPr>
@@ -3497,8 +3468,8 @@
         </p:blipFill>
         <p:spPr>
           <a:xfrm>
-            <a:off x="2540000" y="0"/>
-            <a:ext cx="6858000" cy="6858000"/>
+            <a:off x="3810000" y="1270000"/>
+            <a:ext cx="4445000" cy="4445000"/>
           </a:xfrm>
           <a:prstGeom prst="rect">
             <a:avLst/>
@@ -3508,7 +3479,7 @@
     </p:spTree>
     <p:extLst>
       <p:ext uri="{BB962C8B-B14F-4D97-AF65-F5344CB8AC3E}">
-        <p14:creationId xmlns:p14="http://schemas.microsoft.com/office/powerpoint/2010/main" val="2744367023"/>
+        <p14:creationId xmlns:p14="http://schemas.microsoft.com/office/powerpoint/2010/main" val="857849021"/>
       </p:ext>
     </p:extLst>
   </p:cSld>
@@ -3539,7 +3510,7 @@
         <p:nvPicPr>
           <p:cNvPr id="2" name="Picture 1"/>
           <p:cNvPicPr>
-            <a:picLocks noChangeAspect="1"/>
+            <a:picLocks/>
           </p:cNvPicPr>
           <p:nvPr/>
         </p:nvPicPr>
@@ -3557,8 +3528,8 @@
         </p:blipFill>
         <p:spPr>
           <a:xfrm>
-            <a:off x="2540000" y="0"/>
-            <a:ext cx="6858000" cy="6858000"/>
+            <a:off x="3810000" y="1270000"/>
+            <a:ext cx="4445000" cy="4445000"/>
           </a:xfrm>
           <a:prstGeom prst="rect">
             <a:avLst/>
@@ -3568,7 +3539,7 @@
     </p:spTree>
     <p:extLst>
       <p:ext uri="{BB962C8B-B14F-4D97-AF65-F5344CB8AC3E}">
-        <p14:creationId xmlns:p14="http://schemas.microsoft.com/office/powerpoint/2010/main" val="2203393315"/>
+        <p14:creationId xmlns:p14="http://schemas.microsoft.com/office/powerpoint/2010/main" val="2941014786"/>
       </p:ext>
     </p:extLst>
   </p:cSld>
@@ -3599,7 +3570,7 @@
         <p:nvPicPr>
           <p:cNvPr id="2" name="Picture 1"/>
           <p:cNvPicPr>
-            <a:picLocks noChangeAspect="1"/>
+            <a:picLocks/>
           </p:cNvPicPr>
           <p:nvPr/>
         </p:nvPicPr>
@@ -3617,8 +3588,8 @@
         </p:blipFill>
         <p:spPr>
           <a:xfrm>
-            <a:off x="2540000" y="0"/>
-            <a:ext cx="6858000" cy="6858000"/>
+            <a:off x="3810000" y="1270000"/>
+            <a:ext cx="4445000" cy="4445000"/>
           </a:xfrm>
           <a:prstGeom prst="rect">
             <a:avLst/>
@@ -3628,7 +3599,7 @@
     </p:spTree>
     <p:extLst>
       <p:ext uri="{BB962C8B-B14F-4D97-AF65-F5344CB8AC3E}">
-        <p14:creationId xmlns:p14="http://schemas.microsoft.com/office/powerpoint/2010/main" val="2913207948"/>
+        <p14:creationId xmlns:p14="http://schemas.microsoft.com/office/powerpoint/2010/main" val="2137225549"/>
       </p:ext>
     </p:extLst>
   </p:cSld>
@@ -3659,7 +3630,7 @@
         <p:nvPicPr>
           <p:cNvPr id="2" name="Picture 1"/>
           <p:cNvPicPr>
-            <a:picLocks noChangeAspect="1"/>
+            <a:picLocks/>
           </p:cNvPicPr>
           <p:nvPr/>
         </p:nvPicPr>
@@ -3677,8 +3648,8 @@
         </p:blipFill>
         <p:spPr>
           <a:xfrm>
-            <a:off x="2540000" y="0"/>
-            <a:ext cx="6858000" cy="6858000"/>
+            <a:off x="3810000" y="1270000"/>
+            <a:ext cx="4445000" cy="4445000"/>
           </a:xfrm>
           <a:prstGeom prst="rect">
             <a:avLst/>
@@ -3688,7 +3659,7 @@
     </p:spTree>
     <p:extLst>
       <p:ext uri="{BB962C8B-B14F-4D97-AF65-F5344CB8AC3E}">
-        <p14:creationId xmlns:p14="http://schemas.microsoft.com/office/powerpoint/2010/main" val="3560417542"/>
+        <p14:creationId xmlns:p14="http://schemas.microsoft.com/office/powerpoint/2010/main" val="2926890065"/>
       </p:ext>
     </p:extLst>
   </p:cSld>
@@ -3719,7 +3690,7 @@
         <p:nvPicPr>
           <p:cNvPr id="2" name="Picture 1"/>
           <p:cNvPicPr>
-            <a:picLocks noChangeAspect="1"/>
+            <a:picLocks/>
           </p:cNvPicPr>
           <p:nvPr/>
         </p:nvPicPr>
@@ -3737,8 +3708,8 @@
         </p:blipFill>
         <p:spPr>
           <a:xfrm>
-            <a:off x="2540000" y="0"/>
-            <a:ext cx="6858000" cy="6858000"/>
+            <a:off x="3810000" y="1270000"/>
+            <a:ext cx="4445000" cy="4445000"/>
           </a:xfrm>
           <a:prstGeom prst="rect">
             <a:avLst/>
@@ -3748,7 +3719,7 @@
     </p:spTree>
     <p:extLst>
       <p:ext uri="{BB962C8B-B14F-4D97-AF65-F5344CB8AC3E}">
-        <p14:creationId xmlns:p14="http://schemas.microsoft.com/office/powerpoint/2010/main" val="1438968283"/>
+        <p14:creationId xmlns:p14="http://schemas.microsoft.com/office/powerpoint/2010/main" val="2976169080"/>
       </p:ext>
     </p:extLst>
   </p:cSld>
@@ -3779,7 +3750,7 @@
         <p:nvPicPr>
           <p:cNvPr id="2" name="Picture 1"/>
           <p:cNvPicPr>
-            <a:picLocks noChangeAspect="1"/>
+            <a:picLocks/>
           </p:cNvPicPr>
           <p:nvPr/>
         </p:nvPicPr>
@@ -3797,8 +3768,8 @@
         </p:blipFill>
         <p:spPr>
           <a:xfrm>
-            <a:off x="2540000" y="0"/>
-            <a:ext cx="6858000" cy="6858000"/>
+            <a:off x="3810000" y="1270000"/>
+            <a:ext cx="4445000" cy="4445000"/>
           </a:xfrm>
           <a:prstGeom prst="rect">
             <a:avLst/>
@@ -3808,7 +3779,7 @@
     </p:spTree>
     <p:extLst>
       <p:ext uri="{BB962C8B-B14F-4D97-AF65-F5344CB8AC3E}">
-        <p14:creationId xmlns:p14="http://schemas.microsoft.com/office/powerpoint/2010/main" val="3590783790"/>
+        <p14:creationId xmlns:p14="http://schemas.microsoft.com/office/powerpoint/2010/main" val="3962888924"/>
       </p:ext>
     </p:extLst>
   </p:cSld>
@@ -3839,7 +3810,7 @@
         <p:nvPicPr>
           <p:cNvPr id="2" name="Picture 1"/>
           <p:cNvPicPr>
-            <a:picLocks noChangeAspect="1"/>
+            <a:picLocks/>
           </p:cNvPicPr>
           <p:nvPr/>
         </p:nvPicPr>
@@ -3857,8 +3828,8 @@
         </p:blipFill>
         <p:spPr>
           <a:xfrm>
-            <a:off x="2540000" y="0"/>
-            <a:ext cx="6858000" cy="6858000"/>
+            <a:off x="3810000" y="1270000"/>
+            <a:ext cx="4445000" cy="4445000"/>
           </a:xfrm>
           <a:prstGeom prst="rect">
             <a:avLst/>
@@ -3868,7 +3839,7 @@
     </p:spTree>
     <p:extLst>
       <p:ext uri="{BB962C8B-B14F-4D97-AF65-F5344CB8AC3E}">
-        <p14:creationId xmlns:p14="http://schemas.microsoft.com/office/powerpoint/2010/main" val="3061701907"/>
+        <p14:creationId xmlns:p14="http://schemas.microsoft.com/office/powerpoint/2010/main" val="2952075184"/>
       </p:ext>
     </p:extLst>
   </p:cSld>
@@ -3899,7 +3870,7 @@
         <p:nvPicPr>
           <p:cNvPr id="2" name="Picture 1"/>
           <p:cNvPicPr>
-            <a:picLocks noChangeAspect="1"/>
+            <a:picLocks/>
           </p:cNvPicPr>
           <p:nvPr/>
         </p:nvPicPr>
@@ -3917,8 +3888,8 @@
         </p:blipFill>
         <p:spPr>
           <a:xfrm>
-            <a:off x="2540000" y="0"/>
-            <a:ext cx="6858000" cy="6858000"/>
+            <a:off x="3810000" y="1270000"/>
+            <a:ext cx="4445000" cy="4445000"/>
           </a:xfrm>
           <a:prstGeom prst="rect">
             <a:avLst/>
@@ -3928,7 +3899,7 @@
     </p:spTree>
     <p:extLst>
       <p:ext uri="{BB962C8B-B14F-4D97-AF65-F5344CB8AC3E}">
-        <p14:creationId xmlns:p14="http://schemas.microsoft.com/office/powerpoint/2010/main" val="236738515"/>
+        <p14:creationId xmlns:p14="http://schemas.microsoft.com/office/powerpoint/2010/main" val="1074738949"/>
       </p:ext>
     </p:extLst>
   </p:cSld>
@@ -3959,7 +3930,7 @@
         <p:nvPicPr>
           <p:cNvPr id="2" name="Picture 1"/>
           <p:cNvPicPr>
-            <a:picLocks noChangeAspect="1"/>
+            <a:picLocks/>
           </p:cNvPicPr>
           <p:nvPr/>
         </p:nvPicPr>
@@ -3977,8 +3948,8 @@
         </p:blipFill>
         <p:spPr>
           <a:xfrm>
-            <a:off x="2540000" y="0"/>
-            <a:ext cx="6858000" cy="6858000"/>
+            <a:off x="3810000" y="1270000"/>
+            <a:ext cx="4445000" cy="4445000"/>
           </a:xfrm>
           <a:prstGeom prst="rect">
             <a:avLst/>
@@ -3988,7 +3959,7 @@
     </p:spTree>
     <p:extLst>
       <p:ext uri="{BB962C8B-B14F-4D97-AF65-F5344CB8AC3E}">
-        <p14:creationId xmlns:p14="http://schemas.microsoft.com/office/powerpoint/2010/main" val="4084850547"/>
+        <p14:creationId xmlns:p14="http://schemas.microsoft.com/office/powerpoint/2010/main" val="1815930568"/>
       </p:ext>
     </p:extLst>
   </p:cSld>
@@ -4019,7 +3990,7 @@
         <p:nvPicPr>
           <p:cNvPr id="2" name="Picture 1"/>
           <p:cNvPicPr>
-            <a:picLocks noChangeAspect="1"/>
+            <a:picLocks/>
           </p:cNvPicPr>
           <p:nvPr/>
         </p:nvPicPr>
@@ -4037,8 +4008,8 @@
         </p:blipFill>
         <p:spPr>
           <a:xfrm>
-            <a:off x="2540000" y="0"/>
-            <a:ext cx="6858000" cy="6858000"/>
+            <a:off x="3810000" y="1270000"/>
+            <a:ext cx="4445000" cy="4445000"/>
           </a:xfrm>
           <a:prstGeom prst="rect">
             <a:avLst/>
@@ -4048,7 +4019,7 @@
     </p:spTree>
     <p:extLst>
       <p:ext uri="{BB962C8B-B14F-4D97-AF65-F5344CB8AC3E}">
-        <p14:creationId xmlns:p14="http://schemas.microsoft.com/office/powerpoint/2010/main" val="1104692996"/>
+        <p14:creationId xmlns:p14="http://schemas.microsoft.com/office/powerpoint/2010/main" val="1100852541"/>
       </p:ext>
     </p:extLst>
   </p:cSld>
@@ -4079,7 +4050,7 @@
         <p:nvPicPr>
           <p:cNvPr id="2" name="Picture 1"/>
           <p:cNvPicPr>
-            <a:picLocks noChangeAspect="1"/>
+            <a:picLocks/>
           </p:cNvPicPr>
           <p:nvPr/>
         </p:nvPicPr>
@@ -4097,8 +4068,8 @@
         </p:blipFill>
         <p:spPr>
           <a:xfrm>
-            <a:off x="2540000" y="0"/>
-            <a:ext cx="6858000" cy="6858000"/>
+            <a:off x="3810000" y="1270000"/>
+            <a:ext cx="4445000" cy="4445000"/>
           </a:xfrm>
           <a:prstGeom prst="rect">
             <a:avLst/>
@@ -4108,7 +4079,7 @@
     </p:spTree>
     <p:extLst>
       <p:ext uri="{BB962C8B-B14F-4D97-AF65-F5344CB8AC3E}">
-        <p14:creationId xmlns:p14="http://schemas.microsoft.com/office/powerpoint/2010/main" val="881359131"/>
+        <p14:creationId xmlns:p14="http://schemas.microsoft.com/office/powerpoint/2010/main" val="689965408"/>
       </p:ext>
     </p:extLst>
   </p:cSld>
@@ -4139,7 +4110,7 @@
         <p:nvPicPr>
           <p:cNvPr id="2" name="Picture 1"/>
           <p:cNvPicPr>
-            <a:picLocks noChangeAspect="1"/>
+            <a:picLocks/>
           </p:cNvPicPr>
           <p:nvPr/>
         </p:nvPicPr>
@@ -4157,8 +4128,8 @@
         </p:blipFill>
         <p:spPr>
           <a:xfrm>
-            <a:off x="2540000" y="0"/>
-            <a:ext cx="6858000" cy="6858000"/>
+            <a:off x="3810000" y="1270000"/>
+            <a:ext cx="4445000" cy="4445000"/>
           </a:xfrm>
           <a:prstGeom prst="rect">
             <a:avLst/>
@@ -4168,7 +4139,7 @@
     </p:spTree>
     <p:extLst>
       <p:ext uri="{BB962C8B-B14F-4D97-AF65-F5344CB8AC3E}">
-        <p14:creationId xmlns:p14="http://schemas.microsoft.com/office/powerpoint/2010/main" val="3919124737"/>
+        <p14:creationId xmlns:p14="http://schemas.microsoft.com/office/powerpoint/2010/main" val="3064378487"/>
       </p:ext>
     </p:extLst>
   </p:cSld>
@@ -4199,7 +4170,7 @@
         <p:nvPicPr>
           <p:cNvPr id="2" name="Picture 1"/>
           <p:cNvPicPr>
-            <a:picLocks noChangeAspect="1"/>
+            <a:picLocks/>
           </p:cNvPicPr>
           <p:nvPr/>
         </p:nvPicPr>
@@ -4217,8 +4188,8 @@
         </p:blipFill>
         <p:spPr>
           <a:xfrm>
-            <a:off x="2540000" y="0"/>
-            <a:ext cx="6858000" cy="6858000"/>
+            <a:off x="3810000" y="1270000"/>
+            <a:ext cx="4445000" cy="4445000"/>
           </a:xfrm>
           <a:prstGeom prst="rect">
             <a:avLst/>
@@ -4228,7 +4199,7 @@
     </p:spTree>
     <p:extLst>
       <p:ext uri="{BB962C8B-B14F-4D97-AF65-F5344CB8AC3E}">
-        <p14:creationId xmlns:p14="http://schemas.microsoft.com/office/powerpoint/2010/main" val="580833485"/>
+        <p14:creationId xmlns:p14="http://schemas.microsoft.com/office/powerpoint/2010/main" val="353952701"/>
       </p:ext>
     </p:extLst>
   </p:cSld>
@@ -4259,7 +4230,7 @@
         <p:nvPicPr>
           <p:cNvPr id="2" name="Picture 1"/>
           <p:cNvPicPr>
-            <a:picLocks noChangeAspect="1"/>
+            <a:picLocks/>
           </p:cNvPicPr>
           <p:nvPr/>
         </p:nvPicPr>
@@ -4277,8 +4248,8 @@
         </p:blipFill>
         <p:spPr>
           <a:xfrm>
-            <a:off x="2540000" y="0"/>
-            <a:ext cx="6858000" cy="6858000"/>
+            <a:off x="3810000" y="1270000"/>
+            <a:ext cx="4445000" cy="4445000"/>
           </a:xfrm>
           <a:prstGeom prst="rect">
             <a:avLst/>
@@ -4288,7 +4259,7 @@
     </p:spTree>
     <p:extLst>
       <p:ext uri="{BB962C8B-B14F-4D97-AF65-F5344CB8AC3E}">
-        <p14:creationId xmlns:p14="http://schemas.microsoft.com/office/powerpoint/2010/main" val="1171412445"/>
+        <p14:creationId xmlns:p14="http://schemas.microsoft.com/office/powerpoint/2010/main" val="1214881287"/>
       </p:ext>
     </p:extLst>
   </p:cSld>
@@ -4319,7 +4290,7 @@
         <p:nvPicPr>
           <p:cNvPr id="2" name="Picture 1"/>
           <p:cNvPicPr>
-            <a:picLocks noChangeAspect="1"/>
+            <a:picLocks/>
           </p:cNvPicPr>
           <p:nvPr/>
         </p:nvPicPr>
@@ -4337,8 +4308,8 @@
         </p:blipFill>
         <p:spPr>
           <a:xfrm>
-            <a:off x="2540000" y="0"/>
-            <a:ext cx="6858000" cy="6858000"/>
+            <a:off x="3810000" y="1270000"/>
+            <a:ext cx="4445000" cy="4445000"/>
           </a:xfrm>
           <a:prstGeom prst="rect">
             <a:avLst/>
@@ -4348,7 +4319,7 @@
     </p:spTree>
     <p:extLst>
       <p:ext uri="{BB962C8B-B14F-4D97-AF65-F5344CB8AC3E}">
-        <p14:creationId xmlns:p14="http://schemas.microsoft.com/office/powerpoint/2010/main" val="3706715709"/>
+        <p14:creationId xmlns:p14="http://schemas.microsoft.com/office/powerpoint/2010/main" val="2394651799"/>
       </p:ext>
     </p:extLst>
   </p:cSld>
@@ -4379,7 +4350,7 @@
         <p:nvPicPr>
           <p:cNvPr id="2" name="Picture 1"/>
           <p:cNvPicPr>
-            <a:picLocks noChangeAspect="1"/>
+            <a:picLocks/>
           </p:cNvPicPr>
           <p:nvPr/>
         </p:nvPicPr>
@@ -4397,8 +4368,8 @@
         </p:blipFill>
         <p:spPr>
           <a:xfrm>
-            <a:off x="2540000" y="0"/>
-            <a:ext cx="6858000" cy="6858000"/>
+            <a:off x="3810000" y="1270000"/>
+            <a:ext cx="4445000" cy="4445000"/>
           </a:xfrm>
           <a:prstGeom prst="rect">
             <a:avLst/>
@@ -4408,7 +4379,7 @@
     </p:spTree>
     <p:extLst>
       <p:ext uri="{BB962C8B-B14F-4D97-AF65-F5344CB8AC3E}">
-        <p14:creationId xmlns:p14="http://schemas.microsoft.com/office/powerpoint/2010/main" val="1076848029"/>
+        <p14:creationId xmlns:p14="http://schemas.microsoft.com/office/powerpoint/2010/main" val="490580413"/>
       </p:ext>
     </p:extLst>
   </p:cSld>
@@ -4439,7 +4410,7 @@
         <p:nvPicPr>
           <p:cNvPr id="2" name="Picture 1"/>
           <p:cNvPicPr>
-            <a:picLocks noChangeAspect="1"/>
+            <a:picLocks/>
           </p:cNvPicPr>
           <p:nvPr/>
         </p:nvPicPr>
@@ -4457,8 +4428,8 @@
         </p:blipFill>
         <p:spPr>
           <a:xfrm>
-            <a:off x="2540000" y="0"/>
-            <a:ext cx="6858000" cy="6858000"/>
+            <a:off x="3810000" y="1270000"/>
+            <a:ext cx="4445000" cy="4445000"/>
           </a:xfrm>
           <a:prstGeom prst="rect">
             <a:avLst/>
@@ -4468,7 +4439,7 @@
     </p:spTree>
     <p:extLst>
       <p:ext uri="{BB962C8B-B14F-4D97-AF65-F5344CB8AC3E}">
-        <p14:creationId xmlns:p14="http://schemas.microsoft.com/office/powerpoint/2010/main" val="2373297658"/>
+        <p14:creationId xmlns:p14="http://schemas.microsoft.com/office/powerpoint/2010/main" val="2146177597"/>
       </p:ext>
     </p:extLst>
   </p:cSld>
@@ -4499,7 +4470,7 @@
         <p:nvPicPr>
           <p:cNvPr id="2" name="Picture 1"/>
           <p:cNvPicPr>
-            <a:picLocks noChangeAspect="1"/>
+            <a:picLocks/>
           </p:cNvPicPr>
           <p:nvPr/>
         </p:nvPicPr>
@@ -4517,8 +4488,8 @@
         </p:blipFill>
         <p:spPr>
           <a:xfrm>
-            <a:off x="2540000" y="0"/>
-            <a:ext cx="6858000" cy="6858000"/>
+            <a:off x="3810000" y="1270000"/>
+            <a:ext cx="4445000" cy="4445000"/>
           </a:xfrm>
           <a:prstGeom prst="rect">
             <a:avLst/>
@@ -4528,7 +4499,67 @@
     </p:spTree>
     <p:extLst>
       <p:ext uri="{BB962C8B-B14F-4D97-AF65-F5344CB8AC3E}">
-        <p14:creationId xmlns:p14="http://schemas.microsoft.com/office/powerpoint/2010/main" val="2530598801"/>
+        <p14:creationId xmlns:p14="http://schemas.microsoft.com/office/powerpoint/2010/main" val="2596624775"/>
+      </p:ext>
+    </p:extLst>
+  </p:cSld>
+  <p:clrMapOvr>
+    <a:overrideClrMapping bg1="lt1" tx1="dk1" bg2="lt2" tx2="dk2" accent1="accent1" accent2="accent2" accent3="accent3" accent4="accent4" accent5="accent5" accent6="accent6" hlink="hlink" folHlink="folHlink"/>
+  </p:clrMapOvr>
+</p:sld>
+</file>
+
+<file path=ppt/slides/slide33.xml><?xml version="1.0" encoding="utf-8"?>
+<p:sld xmlns:a="http://schemas.openxmlformats.org/drawingml/2006/main" xmlns:r="http://schemas.openxmlformats.org/officeDocument/2006/relationships" xmlns:p="http://schemas.openxmlformats.org/presentationml/2006/main">
+  <p:cSld>
+    <p:spTree>
+      <p:nvGrpSpPr>
+        <p:cNvPr id="1" name=""/>
+        <p:cNvGrpSpPr/>
+        <p:nvPr/>
+      </p:nvGrpSpPr>
+      <p:grpSpPr>
+        <a:xfrm>
+          <a:off x="0" y="0"/>
+          <a:ext cx="0" cy="0"/>
+          <a:chOff x="0" y="0"/>
+          <a:chExt cx="0" cy="0"/>
+        </a:xfrm>
+      </p:grpSpPr>
+      <p:pic>
+        <p:nvPicPr>
+          <p:cNvPr id="2" name="Picture 1"/>
+          <p:cNvPicPr>
+            <a:picLocks/>
+          </p:cNvPicPr>
+          <p:nvPr/>
+        </p:nvPicPr>
+        <p:blipFill>
+          <a:blip r:embed="rId3">
+            <a:extLst>
+              <a:ext uri="{28A0092B-C50C-407E-A947-70E740481C1C}">
+                <a14:useLocalDpi xmlns:a14="http://schemas.microsoft.com/office/drawing/2010/main" val="0"/>
+              </a:ext>
+            </a:extLst>
+          </a:blip>
+          <a:stretch>
+            <a:fillRect/>
+          </a:stretch>
+        </p:blipFill>
+        <p:spPr>
+          <a:xfrm>
+            <a:off x="3810000" y="1270000"/>
+            <a:ext cx="4445000" cy="4445000"/>
+          </a:xfrm>
+          <a:prstGeom prst="rect">
+            <a:avLst/>
+          </a:prstGeom>
+        </p:spPr>
+      </p:pic>
+    </p:spTree>
+    <p:extLst>
+      <p:ext uri="{BB962C8B-B14F-4D97-AF65-F5344CB8AC3E}">
+        <p14:creationId xmlns:p14="http://schemas.microsoft.com/office/powerpoint/2010/main" val="357154047"/>
       </p:ext>
     </p:extLst>
   </p:cSld>
@@ -4559,7 +4590,7 @@
         <p:nvPicPr>
           <p:cNvPr id="2" name="Picture 1"/>
           <p:cNvPicPr>
-            <a:picLocks noChangeAspect="1"/>
+            <a:picLocks/>
           </p:cNvPicPr>
           <p:nvPr/>
         </p:nvPicPr>
@@ -4577,8 +4608,8 @@
         </p:blipFill>
         <p:spPr>
           <a:xfrm>
-            <a:off x="2540000" y="0"/>
-            <a:ext cx="6858000" cy="6858000"/>
+            <a:off x="3810000" y="1270000"/>
+            <a:ext cx="4445000" cy="4445000"/>
           </a:xfrm>
           <a:prstGeom prst="rect">
             <a:avLst/>
@@ -4588,7 +4619,7 @@
     </p:spTree>
     <p:extLst>
       <p:ext uri="{BB962C8B-B14F-4D97-AF65-F5344CB8AC3E}">
-        <p14:creationId xmlns:p14="http://schemas.microsoft.com/office/powerpoint/2010/main" val="4150190455"/>
+        <p14:creationId xmlns:p14="http://schemas.microsoft.com/office/powerpoint/2010/main" val="2306975633"/>
       </p:ext>
     </p:extLst>
   </p:cSld>
@@ -4619,7 +4650,7 @@
         <p:nvPicPr>
           <p:cNvPr id="2" name="Picture 1"/>
           <p:cNvPicPr>
-            <a:picLocks noChangeAspect="1"/>
+            <a:picLocks/>
           </p:cNvPicPr>
           <p:nvPr/>
         </p:nvPicPr>
@@ -4637,8 +4668,8 @@
         </p:blipFill>
         <p:spPr>
           <a:xfrm>
-            <a:off x="2540000" y="0"/>
-            <a:ext cx="6858000" cy="6858000"/>
+            <a:off x="3810000" y="1270000"/>
+            <a:ext cx="4445000" cy="4445000"/>
           </a:xfrm>
           <a:prstGeom prst="rect">
             <a:avLst/>
@@ -4648,7 +4679,7 @@
     </p:spTree>
     <p:extLst>
       <p:ext uri="{BB962C8B-B14F-4D97-AF65-F5344CB8AC3E}">
-        <p14:creationId xmlns:p14="http://schemas.microsoft.com/office/powerpoint/2010/main" val="2836833769"/>
+        <p14:creationId xmlns:p14="http://schemas.microsoft.com/office/powerpoint/2010/main" val="2459870829"/>
       </p:ext>
     </p:extLst>
   </p:cSld>
@@ -4679,7 +4710,7 @@
         <p:nvPicPr>
           <p:cNvPr id="2" name="Picture 1"/>
           <p:cNvPicPr>
-            <a:picLocks noChangeAspect="1"/>
+            <a:picLocks/>
           </p:cNvPicPr>
           <p:nvPr/>
         </p:nvPicPr>
@@ -4697,8 +4728,8 @@
         </p:blipFill>
         <p:spPr>
           <a:xfrm>
-            <a:off x="2540000" y="0"/>
-            <a:ext cx="6858000" cy="6858000"/>
+            <a:off x="3810000" y="1270000"/>
+            <a:ext cx="4445000" cy="4445000"/>
           </a:xfrm>
           <a:prstGeom prst="rect">
             <a:avLst/>
@@ -4708,7 +4739,7 @@
     </p:spTree>
     <p:extLst>
       <p:ext uri="{BB962C8B-B14F-4D97-AF65-F5344CB8AC3E}">
-        <p14:creationId xmlns:p14="http://schemas.microsoft.com/office/powerpoint/2010/main" val="3221098044"/>
+        <p14:creationId xmlns:p14="http://schemas.microsoft.com/office/powerpoint/2010/main" val="2219722759"/>
       </p:ext>
     </p:extLst>
   </p:cSld>
@@ -4739,7 +4770,7 @@
         <p:nvPicPr>
           <p:cNvPr id="2" name="Picture 1"/>
           <p:cNvPicPr>
-            <a:picLocks noChangeAspect="1"/>
+            <a:picLocks/>
           </p:cNvPicPr>
           <p:nvPr/>
         </p:nvPicPr>
@@ -4757,8 +4788,8 @@
         </p:blipFill>
         <p:spPr>
           <a:xfrm>
-            <a:off x="2540000" y="0"/>
-            <a:ext cx="6858000" cy="6858000"/>
+            <a:off x="3810000" y="1270000"/>
+            <a:ext cx="4445000" cy="4445000"/>
           </a:xfrm>
           <a:prstGeom prst="rect">
             <a:avLst/>
@@ -4768,7 +4799,7 @@
     </p:spTree>
     <p:extLst>
       <p:ext uri="{BB962C8B-B14F-4D97-AF65-F5344CB8AC3E}">
-        <p14:creationId xmlns:p14="http://schemas.microsoft.com/office/powerpoint/2010/main" val="4038206102"/>
+        <p14:creationId xmlns:p14="http://schemas.microsoft.com/office/powerpoint/2010/main" val="3718054652"/>
       </p:ext>
     </p:extLst>
   </p:cSld>
@@ -4799,7 +4830,7 @@
         <p:nvPicPr>
           <p:cNvPr id="2" name="Picture 1"/>
           <p:cNvPicPr>
-            <a:picLocks noChangeAspect="1"/>
+            <a:picLocks/>
           </p:cNvPicPr>
           <p:nvPr/>
         </p:nvPicPr>
@@ -4817,8 +4848,8 @@
         </p:blipFill>
         <p:spPr>
           <a:xfrm>
-            <a:off x="2540000" y="0"/>
-            <a:ext cx="6858000" cy="6858000"/>
+            <a:off x="3810000" y="1270000"/>
+            <a:ext cx="4445000" cy="4445000"/>
           </a:xfrm>
           <a:prstGeom prst="rect">
             <a:avLst/>
@@ -4828,7 +4859,7 @@
     </p:spTree>
     <p:extLst>
       <p:ext uri="{BB962C8B-B14F-4D97-AF65-F5344CB8AC3E}">
-        <p14:creationId xmlns:p14="http://schemas.microsoft.com/office/powerpoint/2010/main" val="2843680649"/>
+        <p14:creationId xmlns:p14="http://schemas.microsoft.com/office/powerpoint/2010/main" val="883267133"/>
       </p:ext>
     </p:extLst>
   </p:cSld>
@@ -4859,7 +4890,7 @@
         <p:nvPicPr>
           <p:cNvPr id="2" name="Picture 1"/>
           <p:cNvPicPr>
-            <a:picLocks noChangeAspect="1"/>
+            <a:picLocks/>
           </p:cNvPicPr>
           <p:nvPr/>
         </p:nvPicPr>
@@ -4877,8 +4908,8 @@
         </p:blipFill>
         <p:spPr>
           <a:xfrm>
-            <a:off x="2540000" y="0"/>
-            <a:ext cx="6858000" cy="6858000"/>
+            <a:off x="3810000" y="1270000"/>
+            <a:ext cx="4445000" cy="4445000"/>
           </a:xfrm>
           <a:prstGeom prst="rect">
             <a:avLst/>
@@ -4888,7 +4919,7 @@
     </p:spTree>
     <p:extLst>
       <p:ext uri="{BB962C8B-B14F-4D97-AF65-F5344CB8AC3E}">
-        <p14:creationId xmlns:p14="http://schemas.microsoft.com/office/powerpoint/2010/main" val="2907446240"/>
+        <p14:creationId xmlns:p14="http://schemas.microsoft.com/office/powerpoint/2010/main" val="121795634"/>
       </p:ext>
     </p:extLst>
   </p:cSld>
@@ -4944,9 +4975,9 @@
         <a:latin typeface="Calibri Light" panose="020F0302020204030204"/>
         <a:ea typeface=""/>
         <a:cs typeface=""/>
-        <a:font script="Jpan" typeface="游ゴシック Light"/>
+        <a:font script="Jpan" typeface="ＭＳ Ｐゴシック"/>
         <a:font script="Hang" typeface="맑은 고딕"/>
-        <a:font script="Hans" typeface="等线 Light"/>
+        <a:font script="Hans" typeface="宋体"/>
         <a:font script="Hant" typeface="新細明體"/>
         <a:font script="Arab" typeface="Times New Roman"/>
         <a:font script="Hebr" typeface="Times New Roman"/>
@@ -4979,9 +5010,9 @@
         <a:latin typeface="Calibri" panose="020F0502020204030204"/>
         <a:ea typeface=""/>
         <a:cs typeface=""/>
-        <a:font script="Jpan" typeface="游ゴシック"/>
+        <a:font script="Jpan" typeface="ＭＳ Ｐゴシック"/>
         <a:font script="Hang" typeface="맑은 고딕"/>
-        <a:font script="Hans" typeface="等线"/>
+        <a:font script="Hans" typeface="宋体"/>
         <a:font script="Hant" typeface="新細明體"/>
         <a:font script="Arab" typeface="Arial"/>
         <a:font script="Hebr" typeface="Arial"/>
@@ -6277,6 +6308,49 @@
 </a:themeOverride>
 </file>
 
+<file path=ppt/theme/themeOverride33.xml><?xml version="1.0" encoding="utf-8"?>
+<a:themeOverride xmlns:a="http://schemas.openxmlformats.org/drawingml/2006/main">
+  <a:clrScheme name="Office">
+    <a:dk1>
+      <a:srgbClr val="000000"/>
+    </a:dk1>
+    <a:lt1>
+      <a:srgbClr val="000000"/>
+    </a:lt1>
+    <a:dk2>
+      <a:srgbClr val="44546A"/>
+    </a:dk2>
+    <a:lt2>
+      <a:srgbClr val="E7E6E6"/>
+    </a:lt2>
+    <a:accent1>
+      <a:srgbClr val="5B9BD5"/>
+    </a:accent1>
+    <a:accent2>
+      <a:srgbClr val="ED7D31"/>
+    </a:accent2>
+    <a:accent3>
+      <a:srgbClr val="A5A5A5"/>
+    </a:accent3>
+    <a:accent4>
+      <a:srgbClr val="FFC000"/>
+    </a:accent4>
+    <a:accent5>
+      <a:srgbClr val="4472C4"/>
+    </a:accent5>
+    <a:accent6>
+      <a:srgbClr val="70AD47"/>
+    </a:accent6>
+    <a:hlink>
+      <a:srgbClr val="0563C1"/>
+    </a:hlink>
+    <a:folHlink>
+      <a:srgbClr val="954F72"/>
+    </a:folHlink>
+  </a:clrScheme>
+</a:themeOverride>
+</file>
+
 <file path=ppt/theme/themeOverride4.xml><?xml version="1.0" encoding="utf-8"?>
 <a:themeOverride xmlns:a="http://schemas.openxmlformats.org/drawingml/2006/main">
   <a:clrScheme name="Office">
